--- a/フローチャート.pptx
+++ b/フローチャート.pptx
@@ -10639,343 +10639,6 @@
           </a:p>
         </p:txBody>
       </p:sp>
-      <p:sp>
-        <p:nvSpPr>
-          <p:cNvPr id="143" name="テキスト ボックス 142"/>
-          <p:cNvSpPr txBox="1"/>
-          <p:nvPr/>
-        </p:nvSpPr>
-        <p:spPr>
-          <a:xfrm>
-            <a:off x="1170889" y="6806276"/>
-            <a:ext cx="5686172" cy="584776"/>
-          </a:xfrm>
-          <a:prstGeom prst="rect">
-            <a:avLst/>
-          </a:prstGeom>
-          <a:noFill/>
-          <a:ln>
-            <a:noFill/>
-          </a:ln>
-          <a:effectLst/>
-        </p:spPr>
-        <p:txBody>
-          <a:bodyPr wrap="none" rtlCol="0">
-            <a:spAutoFit/>
-          </a:bodyPr>
-          <a:lstStyle/>
-          <a:p>
-            <a:pPr algn="ctr"/>
-            <a:r>
-              <a:rPr lang="en-US" altLang="ja-JP" sz="800" dirty="0">
-                <a:latin typeface="+mj-lt"/>
-                <a:cs typeface="Monaco"/>
-              </a:rPr>
-              <a:t> sh </a:t>
-            </a:r>
-            <a:r>
-              <a:rPr lang="en-US" altLang="ja-JP" sz="800" dirty="0" err="1" smtClean="0">
-                <a:latin typeface="+mj-lt"/>
-                <a:cs typeface="Monaco"/>
-              </a:rPr>
-              <a:t>coLocalization.sh</a:t>
-            </a:r>
-            <a:r>
-              <a:rPr lang="en-US" altLang="ja-JP" sz="800" dirty="0" smtClean="0">
-                <a:latin typeface="+mj-lt"/>
-                <a:cs typeface="Monaco"/>
-              </a:rPr>
-              <a:t> </a:t>
-            </a:r>
-            <a:r>
-              <a:rPr lang="en-US" altLang="ja-JP" sz="800" dirty="0">
-                <a:latin typeface="+mj-lt"/>
-                <a:cs typeface="Monaco"/>
-              </a:rPr>
-              <a:t>INITIAL $projectDir                      # </a:t>
-            </a:r>
-            <a:r>
-              <a:rPr lang="en-US" altLang="ja-JP" sz="800" dirty="0" err="1">
-                <a:latin typeface="+mj-lt"/>
-                <a:cs typeface="Monaco"/>
-              </a:rPr>
-              <a:t>colo</a:t>
-            </a:r>
-            <a:r>
-              <a:rPr lang="en-US" altLang="ja-JP" sz="800" dirty="0">
-                <a:latin typeface="+mj-lt"/>
-                <a:cs typeface="Monaco"/>
-              </a:rPr>
-              <a:t> </a:t>
-            </a:r>
-            <a:r>
-              <a:rPr lang="ja-JP" altLang="en-US" sz="800" dirty="0">
-                <a:latin typeface="+mj-lt"/>
-                <a:cs typeface="Monaco"/>
-              </a:rPr>
-              <a:t>の実行</a:t>
-            </a:r>
-          </a:p>
-          <a:p>
-            <a:pPr algn="ctr"/>
-            <a:r>
-              <a:rPr lang="ja-JP" altLang="en-US" sz="800" dirty="0">
-                <a:latin typeface="+mj-lt"/>
-                <a:cs typeface="Monaco"/>
-              </a:rPr>
-              <a:t>  </a:t>
-            </a:r>
-            <a:r>
-              <a:rPr lang="en-US" altLang="ja-JP" sz="800" dirty="0">
-                <a:latin typeface="+mj-lt"/>
-                <a:cs typeface="Monaco"/>
-              </a:rPr>
-              <a:t>sh </a:t>
-            </a:r>
-            <a:r>
-              <a:rPr lang="en-US" altLang="ja-JP" sz="800" dirty="0" err="1" smtClean="0">
-                <a:latin typeface="+mj-lt"/>
-                <a:cs typeface="Monaco"/>
-              </a:rPr>
-              <a:t>targetGenes.sh</a:t>
-            </a:r>
-            <a:r>
-              <a:rPr lang="en-US" altLang="ja-JP" sz="800" dirty="0" smtClean="0">
-                <a:latin typeface="+mj-lt"/>
-                <a:cs typeface="Monaco"/>
-              </a:rPr>
-              <a:t> </a:t>
-            </a:r>
-            <a:r>
-              <a:rPr lang="en-US" altLang="ja-JP" sz="800" dirty="0">
-                <a:latin typeface="+mj-lt"/>
-                <a:cs typeface="Monaco"/>
-              </a:rPr>
-              <a:t>INITIAL $projectDir                         # </a:t>
-            </a:r>
-            <a:r>
-              <a:rPr lang="en-US" altLang="ja-JP" sz="800" dirty="0" err="1">
-                <a:latin typeface="+mj-lt"/>
-                <a:cs typeface="Monaco"/>
-              </a:rPr>
-              <a:t>targetGenes</a:t>
-            </a:r>
-            <a:r>
-              <a:rPr lang="en-US" altLang="ja-JP" sz="800" dirty="0">
-                <a:latin typeface="+mj-lt"/>
-                <a:cs typeface="Monaco"/>
-              </a:rPr>
-              <a:t> </a:t>
-            </a:r>
-            <a:r>
-              <a:rPr lang="ja-JP" altLang="en-US" sz="800" dirty="0">
-                <a:latin typeface="+mj-lt"/>
-                <a:cs typeface="Monaco"/>
-              </a:rPr>
-              <a:t>の実行</a:t>
-            </a:r>
-          </a:p>
-          <a:p>
-            <a:pPr algn="ctr"/>
-            <a:r>
-              <a:rPr lang="ja-JP" altLang="en-US" sz="800" dirty="0">
-                <a:latin typeface="+mj-lt"/>
-                <a:cs typeface="Monaco"/>
-              </a:rPr>
-              <a:t>  </a:t>
-            </a:r>
-            <a:r>
-              <a:rPr lang="en-US" altLang="ja-JP" sz="800" dirty="0">
-                <a:latin typeface="+mj-lt"/>
-                <a:cs typeface="Monaco"/>
-              </a:rPr>
-              <a:t>sh </a:t>
-            </a:r>
-            <a:r>
-              <a:rPr lang="en-US" altLang="ja-JP" sz="800" dirty="0" err="1">
-                <a:latin typeface="+mj-lt"/>
-                <a:cs typeface="Monaco"/>
-              </a:rPr>
-              <a:t>chipatlas</a:t>
-            </a:r>
-            <a:r>
-              <a:rPr lang="en-US" altLang="ja-JP" sz="800" dirty="0">
-                <a:latin typeface="+mj-lt"/>
-                <a:cs typeface="Monaco"/>
-              </a:rPr>
-              <a:t>/sh/</a:t>
-            </a:r>
-            <a:r>
-              <a:rPr lang="en-US" altLang="ja-JP" sz="800" dirty="0" err="1">
-                <a:latin typeface="+mj-lt"/>
-                <a:cs typeface="Monaco"/>
-              </a:rPr>
-              <a:t>analTools</a:t>
-            </a:r>
-            <a:r>
-              <a:rPr lang="en-US" altLang="ja-JP" sz="800" dirty="0">
-                <a:latin typeface="+mj-lt"/>
-                <a:cs typeface="Monaco"/>
-              </a:rPr>
-              <a:t>/</a:t>
-            </a:r>
-            <a:r>
-              <a:rPr lang="en-US" altLang="ja-JP" sz="800" dirty="0" err="1">
-                <a:latin typeface="+mj-lt"/>
-                <a:cs typeface="Monaco"/>
-              </a:rPr>
-              <a:t>wabi</a:t>
-            </a:r>
-            <a:r>
-              <a:rPr lang="en-US" altLang="ja-JP" sz="800" dirty="0">
-                <a:latin typeface="+mj-lt"/>
-                <a:cs typeface="Monaco"/>
-              </a:rPr>
-              <a:t>/transferBedTow3oki.sh $projectDir             # in </a:t>
-            </a:r>
-            <a:r>
-              <a:rPr lang="en-US" altLang="ja-JP" sz="800" dirty="0" err="1">
-                <a:latin typeface="+mj-lt"/>
-                <a:cs typeface="Monaco"/>
-              </a:rPr>
-              <a:t>silico</a:t>
-            </a:r>
-            <a:r>
-              <a:rPr lang="en-US" altLang="ja-JP" sz="800" dirty="0">
-                <a:latin typeface="+mj-lt"/>
-                <a:cs typeface="Monaco"/>
-              </a:rPr>
-              <a:t> </a:t>
-            </a:r>
-            <a:r>
-              <a:rPr lang="en-US" altLang="ja-JP" sz="800" dirty="0" err="1">
-                <a:latin typeface="+mj-lt"/>
-                <a:cs typeface="Monaco"/>
-              </a:rPr>
-              <a:t>ChIP</a:t>
-            </a:r>
-            <a:r>
-              <a:rPr lang="en-US" altLang="ja-JP" sz="800" dirty="0">
-                <a:latin typeface="+mj-lt"/>
-                <a:cs typeface="Monaco"/>
-              </a:rPr>
-              <a:t> </a:t>
-            </a:r>
-            <a:r>
-              <a:rPr lang="ja-JP" altLang="en-US" sz="800" dirty="0">
-                <a:latin typeface="+mj-lt"/>
-                <a:cs typeface="Monaco"/>
-              </a:rPr>
-              <a:t>用の </a:t>
-            </a:r>
-            <a:r>
-              <a:rPr lang="en-US" altLang="ja-JP" sz="800" dirty="0">
-                <a:latin typeface="+mj-lt"/>
-                <a:cs typeface="Monaco"/>
-              </a:rPr>
-              <a:t>BED </a:t>
-            </a:r>
-            <a:r>
-              <a:rPr lang="ja-JP" altLang="en-US" sz="800" dirty="0">
-                <a:latin typeface="+mj-lt"/>
-                <a:cs typeface="Monaco"/>
-              </a:rPr>
-              <a:t>ファイルを作成、</a:t>
-            </a:r>
-            <a:r>
-              <a:rPr lang="en-US" altLang="ja-JP" sz="800" dirty="0">
-                <a:latin typeface="+mj-lt"/>
-                <a:cs typeface="Monaco"/>
-              </a:rPr>
-              <a:t>w3oki </a:t>
-            </a:r>
-            <a:r>
-              <a:rPr lang="ja-JP" altLang="en-US" sz="800" dirty="0">
-                <a:latin typeface="+mj-lt"/>
-                <a:cs typeface="Monaco"/>
-              </a:rPr>
-              <a:t>へ転送</a:t>
-            </a:r>
-          </a:p>
-          <a:p>
-            <a:pPr algn="ctr"/>
-            <a:r>
-              <a:rPr lang="ja-JP" altLang="en-US" sz="800" dirty="0">
-                <a:latin typeface="+mj-lt"/>
-                <a:cs typeface="Monaco"/>
-              </a:rPr>
-              <a:t>  </a:t>
-            </a:r>
-            <a:r>
-              <a:rPr lang="en-US" altLang="ja-JP" sz="800" dirty="0">
-                <a:latin typeface="+mj-lt"/>
-                <a:cs typeface="Monaco"/>
-              </a:rPr>
-              <a:t>qsub </a:t>
-            </a:r>
-            <a:r>
-              <a:rPr lang="en-US" altLang="ja-JP" sz="800" dirty="0" err="1" smtClean="0">
-                <a:latin typeface="+mj-lt"/>
-                <a:cs typeface="Monaco"/>
-              </a:rPr>
-              <a:t>dataAnalysis.sh</a:t>
-            </a:r>
-            <a:r>
-              <a:rPr lang="en-US" altLang="ja-JP" sz="800" dirty="0" smtClean="0">
-                <a:latin typeface="+mj-lt"/>
-                <a:cs typeface="Monaco"/>
-              </a:rPr>
-              <a:t> </a:t>
-            </a:r>
-            <a:r>
-              <a:rPr lang="en-US" altLang="ja-JP" sz="800" dirty="0">
-                <a:latin typeface="+mj-lt"/>
-                <a:cs typeface="Monaco"/>
-              </a:rPr>
-              <a:t>-l $projectDir   # </a:t>
-            </a:r>
-            <a:r>
-              <a:rPr lang="en-US" altLang="ja-JP" sz="800" dirty="0" err="1">
-                <a:latin typeface="+mj-lt"/>
-                <a:cs typeface="Monaco"/>
-              </a:rPr>
-              <a:t>analysisList.tab</a:t>
-            </a:r>
-            <a:r>
-              <a:rPr lang="en-US" altLang="ja-JP" sz="800" dirty="0">
-                <a:latin typeface="+mj-lt"/>
-                <a:cs typeface="Monaco"/>
-              </a:rPr>
-              <a:t> </a:t>
-            </a:r>
-            <a:r>
-              <a:rPr lang="ja-JP" altLang="en-US" sz="800" dirty="0">
-                <a:latin typeface="+mj-lt"/>
-                <a:cs typeface="Monaco"/>
-              </a:rPr>
-              <a:t>の作成、全対応表を </a:t>
-            </a:r>
-            <a:r>
-              <a:rPr lang="en-US" altLang="ja-JP" sz="800" dirty="0">
-                <a:latin typeface="+mj-lt"/>
-                <a:cs typeface="Monaco"/>
-              </a:rPr>
-              <a:t>NBDC </a:t>
-            </a:r>
-            <a:r>
-              <a:rPr lang="ja-JP" altLang="en-US" sz="800" dirty="0">
-                <a:latin typeface="+mj-lt"/>
-                <a:cs typeface="Monaco"/>
-              </a:rPr>
-              <a:t>に送る。</a:t>
-            </a:r>
-            <a:endParaRPr kumimoji="1" lang="ja-JP" altLang="en-US" sz="800" dirty="0">
-              <a:latin typeface="+mj-lt"/>
-              <a:cs typeface="Monaco"/>
-            </a:endParaRPr>
-          </a:p>
-        </p:txBody>
-      </p:sp>
       <p:cxnSp>
         <p:nvCxnSpPr>
           <p:cNvPr id="144" name="直線矢印コネクタ 143"/>
@@ -11792,14 +11455,14 @@
       </p:grpSpPr>
       <p:sp>
         <p:nvSpPr>
-          <p:cNvPr id="5" name="テキスト ボックス 4"/>
+          <p:cNvPr id="117" name="テキスト ボックス 116"/>
           <p:cNvSpPr txBox="1"/>
           <p:nvPr/>
         </p:nvSpPr>
         <p:spPr>
           <a:xfrm>
-            <a:off x="34384" y="152400"/>
-            <a:ext cx="1172116" cy="215444"/>
+            <a:off x="34384" y="276999"/>
+            <a:ext cx="928459" cy="215444"/>
           </a:xfrm>
           <a:prstGeom prst="rect">
             <a:avLst/>
@@ -11824,14 +11487,14 @@
                 <a:latin typeface="Monaco"/>
                 <a:cs typeface="Monaco"/>
               </a:rPr>
-              <a:t>sh bed4ToBed9.</a:t>
+              <a:t>sh </a:t>
             </a:r>
             <a:r>
               <a:rPr lang="en-US" altLang="ja-JP" sz="800" dirty="0" smtClean="0">
                 <a:latin typeface="Monaco"/>
                 <a:cs typeface="Monaco"/>
               </a:rPr>
-              <a:t>sh</a:t>
+              <a:t>upDate.sh</a:t>
             </a:r>
             <a:endParaRPr kumimoji="1" lang="ja-JP" altLang="en-US" sz="800" dirty="0">
               <a:latin typeface="Monaco"/>
@@ -11842,14 +11505,14 @@
       </p:sp>
       <p:cxnSp>
         <p:nvCxnSpPr>
-          <p:cNvPr id="7" name="直線矢印コネクタ 6"/>
+          <p:cNvPr id="118" name="直線矢印コネクタ 117"/>
           <p:cNvCxnSpPr/>
           <p:nvPr/>
         </p:nvCxnSpPr>
         <p:spPr>
           <a:xfrm>
-            <a:off x="605265" y="374650"/>
-            <a:ext cx="0" cy="1014650"/>
+            <a:off x="594671" y="492443"/>
+            <a:ext cx="0" cy="244532"/>
           </a:xfrm>
           <a:prstGeom prst="straightConnector1">
             <a:avLst/>
@@ -11877,15 +11540,64 @@
           </a:fontRef>
         </p:style>
       </p:cxnSp>
+      <p:sp>
+        <p:nvSpPr>
+          <p:cNvPr id="127" name="テキスト ボックス 126"/>
+          <p:cNvSpPr txBox="1"/>
+          <p:nvPr/>
+        </p:nvSpPr>
+        <p:spPr>
+          <a:xfrm>
+            <a:off x="34384" y="736975"/>
+            <a:ext cx="1046581" cy="215444"/>
+          </a:xfrm>
+          <a:prstGeom prst="rect">
+            <a:avLst/>
+          </a:prstGeom>
+          <a:solidFill>
+            <a:schemeClr val="tx1"/>
+          </a:solidFill>
+          <a:ln>
+            <a:noFill/>
+          </a:ln>
+          <a:effectLst/>
+        </p:spPr>
+        <p:txBody>
+          <a:bodyPr wrap="none" rtlCol="0">
+            <a:spAutoFit/>
+          </a:bodyPr>
+          <a:lstStyle/>
+          <a:p>
+            <a:pPr algn="ctr"/>
+            <a:r>
+              <a:rPr lang="en-US" altLang="ja-JP" sz="800" dirty="0" smtClean="0">
+                <a:solidFill>
+                  <a:srgbClr val="FFFFFF"/>
+                </a:solidFill>
+                <a:latin typeface="Monaco"/>
+                <a:cs typeface="Monaco"/>
+              </a:rPr>
+              <a:t>qsub upDate.sh</a:t>
+            </a:r>
+            <a:endParaRPr kumimoji="1" lang="ja-JP" altLang="en-US" sz="800" dirty="0">
+              <a:solidFill>
+                <a:srgbClr val="FFFFFF"/>
+              </a:solidFill>
+              <a:latin typeface="Monaco"/>
+              <a:cs typeface="Monaco"/>
+            </a:endParaRPr>
+          </a:p>
+        </p:txBody>
+      </p:sp>
       <p:cxnSp>
         <p:nvCxnSpPr>
-          <p:cNvPr id="19" name="直線矢印コネクタ 18"/>
+          <p:cNvPr id="128" name="直線矢印コネクタ 127"/>
           <p:cNvCxnSpPr/>
           <p:nvPr/>
         </p:nvCxnSpPr>
         <p:spPr>
           <a:xfrm>
-            <a:off x="1206500" y="1194502"/>
+            <a:off x="605265" y="1142919"/>
             <a:ext cx="334434" cy="0"/>
           </a:xfrm>
           <a:prstGeom prst="straightConnector1">
@@ -11916,19 +11628,21 @@
       </p:cxnSp>
       <p:sp>
         <p:nvSpPr>
-          <p:cNvPr id="20" name="テキスト ボックス 19"/>
+          <p:cNvPr id="129" name="テキスト ボックス 128"/>
           <p:cNvSpPr txBox="1"/>
           <p:nvPr/>
         </p:nvSpPr>
         <p:spPr>
           <a:xfrm>
-            <a:off x="1540934" y="1066134"/>
-            <a:ext cx="3597109" cy="215444"/>
+            <a:off x="939699" y="1035197"/>
+            <a:ext cx="1046581" cy="215444"/>
           </a:xfrm>
           <a:prstGeom prst="rect">
             <a:avLst/>
           </a:prstGeom>
-          <a:noFill/>
+          <a:solidFill>
+            <a:schemeClr val="tx1"/>
+          </a:solidFill>
           <a:ln>
             <a:noFill/>
           </a:ln>
@@ -11940,223 +11654,6 @@
           </a:bodyPr>
           <a:lstStyle/>
           <a:p>
-            <a:r>
-              <a:rPr lang="en-US" altLang="ja-JP" sz="800" dirty="0" smtClean="0">
-                <a:solidFill>
-                  <a:srgbClr val="FF00FF"/>
-                </a:solidFill>
-              </a:rPr>
-              <a:t>$</a:t>
-            </a:r>
-            <a:r>
-              <a:rPr lang="en-US" altLang="ja-JP" sz="800" dirty="0" smtClean="0"/>
-              <a:t>projectDir/results/</a:t>
-            </a:r>
-            <a:r>
-              <a:rPr lang="en-US" altLang="ja-JP" sz="800" dirty="0" smtClean="0">
-                <a:solidFill>
-                  <a:srgbClr val="FF00FF"/>
-                </a:solidFill>
-              </a:rPr>
-              <a:t>$</a:t>
-            </a:r>
-            <a:r>
-              <a:rPr lang="en-US" altLang="ja-JP" sz="800" dirty="0" smtClean="0"/>
-              <a:t>Genome/public/</a:t>
-            </a:r>
-            <a:r>
-              <a:rPr lang="en-US" altLang="ja-JP" sz="800" dirty="0" smtClean="0">
-                <a:solidFill>
-                  <a:srgbClr val="FF00FF"/>
-                </a:solidFill>
-              </a:rPr>
-              <a:t>$</a:t>
-            </a:r>
-            <a:r>
-              <a:rPr lang="en-US" altLang="ja-JP" sz="800" b="1" dirty="0" smtClean="0"/>
-              <a:t>LargeAg</a:t>
-            </a:r>
-            <a:r>
-              <a:rPr lang="en-US" altLang="ja-JP" sz="800" dirty="0" smtClean="0"/>
-              <a:t>.ALL.</a:t>
-            </a:r>
-            <a:r>
-              <a:rPr lang="en-US" altLang="ja-JP" sz="800" dirty="0" smtClean="0">
-                <a:solidFill>
-                  <a:srgbClr val="FF00FF"/>
-                </a:solidFill>
-              </a:rPr>
-              <a:t>$</a:t>
-            </a:r>
-            <a:r>
-              <a:rPr lang="en-US" altLang="ja-JP" sz="800" dirty="0" smtClean="0"/>
-              <a:t>qVal.AllAg.AllCell.bed --- </a:t>
-            </a:r>
-            <a:r>
-              <a:rPr lang="en-US" altLang="ja-JP" sz="800" b="1" dirty="0" smtClean="0">
-                <a:solidFill>
-                  <a:srgbClr val="3366FF"/>
-                </a:solidFill>
-              </a:rPr>
-              <a:t>(15)</a:t>
-            </a:r>
-          </a:p>
-        </p:txBody>
-      </p:sp>
-      <p:grpSp>
-        <p:nvGrpSpPr>
-          <p:cNvPr id="29" name="図形グループ 28"/>
-          <p:cNvGrpSpPr/>
-          <p:nvPr/>
-        </p:nvGrpSpPr>
-        <p:grpSpPr>
-          <a:xfrm>
-            <a:off x="605265" y="946739"/>
-            <a:ext cx="334434" cy="84438"/>
-            <a:chOff x="1473301" y="2014838"/>
-            <a:chExt cx="334434" cy="84438"/>
-          </a:xfrm>
-        </p:grpSpPr>
-        <p:cxnSp>
-          <p:nvCxnSpPr>
-            <p:cNvPr id="24" name="直線矢印コネクタ 23"/>
-            <p:cNvCxnSpPr/>
-            <p:nvPr/>
-          </p:nvCxnSpPr>
-          <p:spPr>
-            <a:xfrm>
-              <a:off x="1473301" y="2014838"/>
-              <a:ext cx="334434" cy="0"/>
-            </a:xfrm>
-            <a:prstGeom prst="straightConnector1">
-              <a:avLst/>
-            </a:prstGeom>
-            <a:ln w="9525" cmpd="sng">
-              <a:solidFill>
-                <a:srgbClr val="000000"/>
-              </a:solidFill>
-              <a:tailEnd type="stealth" w="sm" len="med"/>
-            </a:ln>
-            <a:effectLst/>
-          </p:spPr>
-          <p:style>
-            <a:lnRef idx="2">
-              <a:schemeClr val="accent1"/>
-            </a:lnRef>
-            <a:fillRef idx="0">
-              <a:schemeClr val="accent1"/>
-            </a:fillRef>
-            <a:effectRef idx="1">
-              <a:schemeClr val="accent1"/>
-            </a:effectRef>
-            <a:fontRef idx="minor">
-              <a:schemeClr val="tx1"/>
-            </a:fontRef>
-          </p:style>
-        </p:cxnSp>
-        <p:cxnSp>
-          <p:nvCxnSpPr>
-            <p:cNvPr id="27" name="直線矢印コネクタ 26"/>
-            <p:cNvCxnSpPr/>
-            <p:nvPr/>
-          </p:nvCxnSpPr>
-          <p:spPr>
-            <a:xfrm>
-              <a:off x="1473301" y="2057057"/>
-              <a:ext cx="334434" cy="0"/>
-            </a:xfrm>
-            <a:prstGeom prst="straightConnector1">
-              <a:avLst/>
-            </a:prstGeom>
-            <a:ln w="9525" cmpd="sng">
-              <a:solidFill>
-                <a:srgbClr val="000000"/>
-              </a:solidFill>
-              <a:tailEnd type="stealth" w="sm" len="med"/>
-            </a:ln>
-            <a:effectLst/>
-          </p:spPr>
-          <p:style>
-            <a:lnRef idx="2">
-              <a:schemeClr val="accent1"/>
-            </a:lnRef>
-            <a:fillRef idx="0">
-              <a:schemeClr val="accent1"/>
-            </a:fillRef>
-            <a:effectRef idx="1">
-              <a:schemeClr val="accent1"/>
-            </a:effectRef>
-            <a:fontRef idx="minor">
-              <a:schemeClr val="tx1"/>
-            </a:fontRef>
-          </p:style>
-        </p:cxnSp>
-        <p:cxnSp>
-          <p:nvCxnSpPr>
-            <p:cNvPr id="28" name="直線矢印コネクタ 27"/>
-            <p:cNvCxnSpPr/>
-            <p:nvPr/>
-          </p:nvCxnSpPr>
-          <p:spPr>
-            <a:xfrm>
-              <a:off x="1473301" y="2099276"/>
-              <a:ext cx="334434" cy="0"/>
-            </a:xfrm>
-            <a:prstGeom prst="straightConnector1">
-              <a:avLst/>
-            </a:prstGeom>
-            <a:ln w="9525" cmpd="sng">
-              <a:solidFill>
-                <a:srgbClr val="000000"/>
-              </a:solidFill>
-              <a:tailEnd type="stealth" w="sm" len="med"/>
-            </a:ln>
-            <a:effectLst/>
-          </p:spPr>
-          <p:style>
-            <a:lnRef idx="2">
-              <a:schemeClr val="accent1"/>
-            </a:lnRef>
-            <a:fillRef idx="0">
-              <a:schemeClr val="accent1"/>
-            </a:fillRef>
-            <a:effectRef idx="1">
-              <a:schemeClr val="accent1"/>
-            </a:effectRef>
-            <a:fontRef idx="minor">
-              <a:schemeClr val="tx1"/>
-            </a:fontRef>
-          </p:style>
-        </p:cxnSp>
-      </p:grpSp>
-      <p:sp>
-        <p:nvSpPr>
-          <p:cNvPr id="31" name="テキスト ボックス 30"/>
-          <p:cNvSpPr txBox="1"/>
-          <p:nvPr/>
-        </p:nvSpPr>
-        <p:spPr>
-          <a:xfrm>
-            <a:off x="921089" y="881236"/>
-            <a:ext cx="2031626" cy="215444"/>
-          </a:xfrm>
-          <a:prstGeom prst="rect">
-            <a:avLst/>
-          </a:prstGeom>
-          <a:solidFill>
-            <a:schemeClr val="tx1"/>
-          </a:solidFill>
-          <a:ln>
-            <a:noFill/>
-          </a:ln>
-          <a:effectLst/>
-        </p:spPr>
-        <p:txBody>
-          <a:bodyPr wrap="none" rtlCol="0">
-            <a:spAutoFit/>
-          </a:bodyPr>
-          <a:lstStyle/>
-          <a:p>
             <a:pPr algn="ctr"/>
             <a:r>
               <a:rPr lang="en-US" altLang="ja-JP" sz="800" dirty="0" smtClean="0">
@@ -12166,67 +11663,7 @@
                 <a:latin typeface="Monaco"/>
                 <a:cs typeface="Monaco"/>
               </a:rPr>
-              <a:t>qsub </a:t>
-            </a:r>
-            <a:r>
-              <a:rPr lang="en-US" altLang="ja-JP" sz="800" dirty="0">
-                <a:solidFill>
-                  <a:schemeClr val="bg1"/>
-                </a:solidFill>
-                <a:latin typeface="Monaco"/>
-                <a:cs typeface="Monaco"/>
-              </a:rPr>
-              <a:t>bed4ToBed9</a:t>
-            </a:r>
-            <a:r>
-              <a:rPr lang="en-US" altLang="ja-JP" sz="800" dirty="0" smtClean="0">
-                <a:solidFill>
-                  <a:schemeClr val="bg1"/>
-                </a:solidFill>
-                <a:latin typeface="Monaco"/>
-                <a:cs typeface="Monaco"/>
-              </a:rPr>
-              <a:t>.sh</a:t>
-            </a:r>
-            <a:r>
-              <a:rPr lang="ja-JP" altLang="en-US" sz="800" dirty="0" smtClean="0">
-                <a:solidFill>
-                  <a:schemeClr val="bg1"/>
-                </a:solidFill>
-                <a:latin typeface="Monaco"/>
-                <a:cs typeface="Monaco"/>
-              </a:rPr>
-              <a:t> </a:t>
-            </a:r>
-            <a:r>
-              <a:rPr lang="en-US" altLang="ja-JP" sz="800" dirty="0" smtClean="0">
-                <a:solidFill>
-                  <a:schemeClr val="bg1"/>
-                </a:solidFill>
-                <a:latin typeface="Monaco"/>
-                <a:cs typeface="Monaco"/>
-              </a:rPr>
-              <a:t>-r</a:t>
-            </a:r>
-            <a:r>
-              <a:rPr lang="ja-JP" altLang="en-US" sz="800" dirty="0" smtClean="0">
-                <a:solidFill>
-                  <a:schemeClr val="bg1"/>
-                </a:solidFill>
-                <a:latin typeface="Monaco"/>
-                <a:cs typeface="Monaco"/>
-              </a:rPr>
-              <a:t> </a:t>
-            </a:r>
-            <a:r>
-              <a:rPr lang="en-US" altLang="ja-JP" sz="800" dirty="0" smtClean="0">
-                <a:solidFill>
-                  <a:schemeClr val="bg1"/>
-                </a:solidFill>
-                <a:latin typeface="Monaco"/>
-                <a:cs typeface="Monaco"/>
-              </a:rPr>
-              <a:t>$LargeAg</a:t>
+              <a:t>sh metaPrep.sh</a:t>
             </a:r>
             <a:endParaRPr kumimoji="1" lang="ja-JP" altLang="en-US" sz="800" dirty="0">
               <a:solidFill>
@@ -12238,363 +11675,6 @@
           </a:p>
         </p:txBody>
       </p:sp>
-      <p:sp>
-        <p:nvSpPr>
-          <p:cNvPr id="48" name="テキスト ボックス 47"/>
-          <p:cNvSpPr txBox="1"/>
-          <p:nvPr/>
-        </p:nvSpPr>
-        <p:spPr>
-          <a:xfrm>
-            <a:off x="34384" y="1389300"/>
-            <a:ext cx="1172116" cy="215444"/>
-          </a:xfrm>
-          <a:prstGeom prst="rect">
-            <a:avLst/>
-          </a:prstGeom>
-          <a:solidFill>
-            <a:schemeClr val="tx1"/>
-          </a:solidFill>
-          <a:ln>
-            <a:noFill/>
-          </a:ln>
-          <a:effectLst/>
-        </p:spPr>
-        <p:txBody>
-          <a:bodyPr wrap="none" rtlCol="0">
-            <a:spAutoFit/>
-          </a:bodyPr>
-          <a:lstStyle/>
-          <a:p>
-            <a:pPr algn="ctr"/>
-            <a:r>
-              <a:rPr lang="en-US" altLang="ja-JP" sz="800" dirty="0" smtClean="0">
-                <a:solidFill>
-                  <a:srgbClr val="FFFFFF"/>
-                </a:solidFill>
-                <a:latin typeface="Monaco"/>
-                <a:cs typeface="Monaco"/>
-              </a:rPr>
-              <a:t>qsub classify.sh</a:t>
-            </a:r>
-            <a:endParaRPr kumimoji="1" lang="ja-JP" altLang="en-US" sz="800" dirty="0">
-              <a:solidFill>
-                <a:srgbClr val="FFFFFF"/>
-              </a:solidFill>
-              <a:latin typeface="Monaco"/>
-              <a:cs typeface="Monaco"/>
-            </a:endParaRPr>
-          </a:p>
-        </p:txBody>
-      </p:sp>
-      <p:cxnSp>
-        <p:nvCxnSpPr>
-          <p:cNvPr id="88" name="直線矢印コネクタ 87"/>
-          <p:cNvCxnSpPr/>
-          <p:nvPr/>
-        </p:nvCxnSpPr>
-        <p:spPr>
-          <a:xfrm>
-            <a:off x="600930" y="1599852"/>
-            <a:ext cx="4817" cy="1229175"/>
-          </a:xfrm>
-          <a:prstGeom prst="straightConnector1">
-            <a:avLst/>
-          </a:prstGeom>
-          <a:ln>
-            <a:solidFill>
-              <a:srgbClr val="000000"/>
-            </a:solidFill>
-            <a:tailEnd type="arrow"/>
-          </a:ln>
-          <a:effectLst/>
-        </p:spPr>
-        <p:style>
-          <a:lnRef idx="2">
-            <a:schemeClr val="accent1"/>
-          </a:lnRef>
-          <a:fillRef idx="0">
-            <a:schemeClr val="accent1"/>
-          </a:fillRef>
-          <a:effectRef idx="1">
-            <a:schemeClr val="accent1"/>
-          </a:effectRef>
-          <a:fontRef idx="minor">
-            <a:schemeClr val="tx1"/>
-          </a:fontRef>
-        </p:style>
-      </p:cxnSp>
-      <p:sp>
-        <p:nvSpPr>
-          <p:cNvPr id="111" name="テキスト ボックス 110"/>
-          <p:cNvSpPr txBox="1"/>
-          <p:nvPr/>
-        </p:nvSpPr>
-        <p:spPr>
-          <a:xfrm>
-            <a:off x="34384" y="2829027"/>
-            <a:ext cx="1477538" cy="215444"/>
-          </a:xfrm>
-          <a:prstGeom prst="rect">
-            <a:avLst/>
-          </a:prstGeom>
-          <a:solidFill>
-            <a:schemeClr val="tx1"/>
-          </a:solidFill>
-          <a:ln>
-            <a:noFill/>
-          </a:ln>
-          <a:effectLst/>
-        </p:spPr>
-        <p:txBody>
-          <a:bodyPr wrap="none" rtlCol="0">
-            <a:spAutoFit/>
-          </a:bodyPr>
-          <a:lstStyle/>
-          <a:p>
-            <a:pPr algn="ctr"/>
-            <a:r>
-              <a:rPr lang="en-US" altLang="ja-JP" sz="800" dirty="0" smtClean="0">
-                <a:solidFill>
-                  <a:srgbClr val="FFFFFF"/>
-                </a:solidFill>
-                <a:latin typeface="Monaco"/>
-                <a:cs typeface="Monaco"/>
-              </a:rPr>
-              <a:t>qsub makeBigBed.sh -i</a:t>
-            </a:r>
-            <a:endParaRPr kumimoji="1" lang="ja-JP" altLang="en-US" sz="800" dirty="0">
-              <a:solidFill>
-                <a:srgbClr val="FFFFFF"/>
-              </a:solidFill>
-              <a:latin typeface="Monaco"/>
-              <a:cs typeface="Monaco"/>
-            </a:endParaRPr>
-          </a:p>
-        </p:txBody>
-      </p:sp>
-      <p:sp>
-        <p:nvSpPr>
-          <p:cNvPr id="117" name="テキスト ボックス 116"/>
-          <p:cNvSpPr txBox="1"/>
-          <p:nvPr/>
-        </p:nvSpPr>
-        <p:spPr>
-          <a:xfrm>
-            <a:off x="34384" y="5583094"/>
-            <a:ext cx="928459" cy="215444"/>
-          </a:xfrm>
-          <a:prstGeom prst="rect">
-            <a:avLst/>
-          </a:prstGeom>
-          <a:noFill/>
-          <a:ln>
-            <a:solidFill>
-              <a:schemeClr val="tx1"/>
-            </a:solidFill>
-          </a:ln>
-          <a:effectLst/>
-        </p:spPr>
-        <p:txBody>
-          <a:bodyPr wrap="none" rtlCol="0">
-            <a:spAutoFit/>
-          </a:bodyPr>
-          <a:lstStyle/>
-          <a:p>
-            <a:pPr algn="ctr"/>
-            <a:r>
-              <a:rPr lang="en-US" altLang="ja-JP" sz="800" dirty="0">
-                <a:latin typeface="Monaco"/>
-                <a:cs typeface="Monaco"/>
-              </a:rPr>
-              <a:t>sh </a:t>
-            </a:r>
-            <a:r>
-              <a:rPr lang="en-US" altLang="ja-JP" sz="800" dirty="0" smtClean="0">
-                <a:latin typeface="Monaco"/>
-                <a:cs typeface="Monaco"/>
-              </a:rPr>
-              <a:t>upDate.sh</a:t>
-            </a:r>
-            <a:endParaRPr kumimoji="1" lang="ja-JP" altLang="en-US" sz="800" dirty="0">
-              <a:latin typeface="Monaco"/>
-              <a:cs typeface="Monaco"/>
-            </a:endParaRPr>
-          </a:p>
-        </p:txBody>
-      </p:sp>
-      <p:cxnSp>
-        <p:nvCxnSpPr>
-          <p:cNvPr id="118" name="直線矢印コネクタ 117"/>
-          <p:cNvCxnSpPr/>
-          <p:nvPr/>
-        </p:nvCxnSpPr>
-        <p:spPr>
-          <a:xfrm>
-            <a:off x="594671" y="5798538"/>
-            <a:ext cx="0" cy="244532"/>
-          </a:xfrm>
-          <a:prstGeom prst="straightConnector1">
-            <a:avLst/>
-          </a:prstGeom>
-          <a:ln>
-            <a:solidFill>
-              <a:srgbClr val="000000"/>
-            </a:solidFill>
-            <a:tailEnd type="arrow"/>
-          </a:ln>
-          <a:effectLst/>
-        </p:spPr>
-        <p:style>
-          <a:lnRef idx="2">
-            <a:schemeClr val="accent1"/>
-          </a:lnRef>
-          <a:fillRef idx="0">
-            <a:schemeClr val="accent1"/>
-          </a:fillRef>
-          <a:effectRef idx="1">
-            <a:schemeClr val="accent1"/>
-          </a:effectRef>
-          <a:fontRef idx="minor">
-            <a:schemeClr val="tx1"/>
-          </a:fontRef>
-        </p:style>
-      </p:cxnSp>
-      <p:sp>
-        <p:nvSpPr>
-          <p:cNvPr id="127" name="テキスト ボックス 126"/>
-          <p:cNvSpPr txBox="1"/>
-          <p:nvPr/>
-        </p:nvSpPr>
-        <p:spPr>
-          <a:xfrm>
-            <a:off x="34384" y="6043070"/>
-            <a:ext cx="1046581" cy="215444"/>
-          </a:xfrm>
-          <a:prstGeom prst="rect">
-            <a:avLst/>
-          </a:prstGeom>
-          <a:solidFill>
-            <a:schemeClr val="tx1"/>
-          </a:solidFill>
-          <a:ln>
-            <a:noFill/>
-          </a:ln>
-          <a:effectLst/>
-        </p:spPr>
-        <p:txBody>
-          <a:bodyPr wrap="none" rtlCol="0">
-            <a:spAutoFit/>
-          </a:bodyPr>
-          <a:lstStyle/>
-          <a:p>
-            <a:pPr algn="ctr"/>
-            <a:r>
-              <a:rPr lang="en-US" altLang="ja-JP" sz="800" dirty="0" smtClean="0">
-                <a:solidFill>
-                  <a:srgbClr val="FFFFFF"/>
-                </a:solidFill>
-                <a:latin typeface="Monaco"/>
-                <a:cs typeface="Monaco"/>
-              </a:rPr>
-              <a:t>qsub upDate.sh</a:t>
-            </a:r>
-            <a:endParaRPr kumimoji="1" lang="ja-JP" altLang="en-US" sz="800" dirty="0">
-              <a:solidFill>
-                <a:srgbClr val="FFFFFF"/>
-              </a:solidFill>
-              <a:latin typeface="Monaco"/>
-              <a:cs typeface="Monaco"/>
-            </a:endParaRPr>
-          </a:p>
-        </p:txBody>
-      </p:sp>
-      <p:cxnSp>
-        <p:nvCxnSpPr>
-          <p:cNvPr id="128" name="直線矢印コネクタ 127"/>
-          <p:cNvCxnSpPr/>
-          <p:nvPr/>
-        </p:nvCxnSpPr>
-        <p:spPr>
-          <a:xfrm>
-            <a:off x="605265" y="6449014"/>
-            <a:ext cx="334434" cy="0"/>
-          </a:xfrm>
-          <a:prstGeom prst="straightConnector1">
-            <a:avLst/>
-          </a:prstGeom>
-          <a:ln>
-            <a:solidFill>
-              <a:srgbClr val="000000"/>
-            </a:solidFill>
-            <a:tailEnd type="arrow"/>
-          </a:ln>
-          <a:effectLst/>
-        </p:spPr>
-        <p:style>
-          <a:lnRef idx="2">
-            <a:schemeClr val="accent1"/>
-          </a:lnRef>
-          <a:fillRef idx="0">
-            <a:schemeClr val="accent1"/>
-          </a:fillRef>
-          <a:effectRef idx="1">
-            <a:schemeClr val="accent1"/>
-          </a:effectRef>
-          <a:fontRef idx="minor">
-            <a:schemeClr val="tx1"/>
-          </a:fontRef>
-        </p:style>
-      </p:cxnSp>
-      <p:sp>
-        <p:nvSpPr>
-          <p:cNvPr id="129" name="テキスト ボックス 128"/>
-          <p:cNvSpPr txBox="1"/>
-          <p:nvPr/>
-        </p:nvSpPr>
-        <p:spPr>
-          <a:xfrm>
-            <a:off x="939699" y="6341292"/>
-            <a:ext cx="1046581" cy="215444"/>
-          </a:xfrm>
-          <a:prstGeom prst="rect">
-            <a:avLst/>
-          </a:prstGeom>
-          <a:solidFill>
-            <a:schemeClr val="tx1"/>
-          </a:solidFill>
-          <a:ln>
-            <a:noFill/>
-          </a:ln>
-          <a:effectLst/>
-        </p:spPr>
-        <p:txBody>
-          <a:bodyPr wrap="none" rtlCol="0">
-            <a:spAutoFit/>
-          </a:bodyPr>
-          <a:lstStyle/>
-          <a:p>
-            <a:pPr algn="ctr"/>
-            <a:r>
-              <a:rPr lang="en-US" altLang="ja-JP" sz="800" dirty="0" smtClean="0">
-                <a:solidFill>
-                  <a:schemeClr val="bg1"/>
-                </a:solidFill>
-                <a:latin typeface="Monaco"/>
-                <a:cs typeface="Monaco"/>
-              </a:rPr>
-              <a:t>sh metaPrep.sh</a:t>
-            </a:r>
-            <a:endParaRPr kumimoji="1" lang="ja-JP" altLang="en-US" sz="800" dirty="0">
-              <a:solidFill>
-                <a:schemeClr val="bg1"/>
-              </a:solidFill>
-              <a:latin typeface="Monaco"/>
-              <a:cs typeface="Monaco"/>
-            </a:endParaRPr>
-          </a:p>
-        </p:txBody>
-      </p:sp>
       <p:cxnSp>
         <p:nvCxnSpPr>
           <p:cNvPr id="130" name="直線矢印コネクタ 129"/>
@@ -12603,7 +11683,7 @@
         </p:nvCxnSpPr>
         <p:spPr>
           <a:xfrm>
-            <a:off x="594671" y="7322122"/>
+            <a:off x="594671" y="2016027"/>
             <a:ext cx="334434" cy="0"/>
           </a:xfrm>
           <a:prstGeom prst="straightConnector1">
@@ -12640,7 +11720,7 @@
         </p:nvCxnSpPr>
         <p:spPr>
           <a:xfrm>
-            <a:off x="1206500" y="6556736"/>
+            <a:off x="1206500" y="1250641"/>
             <a:ext cx="0" cy="445184"/>
           </a:xfrm>
           <a:prstGeom prst="straightConnector1">
@@ -12678,7 +11758,7 @@
         </p:nvGrpSpPr>
         <p:grpSpPr>
           <a:xfrm>
-            <a:off x="1206500" y="6705358"/>
+            <a:off x="1206500" y="1399263"/>
             <a:ext cx="334434" cy="84438"/>
             <a:chOff x="1473301" y="2014838"/>
             <a:chExt cx="334434" cy="84438"/>
@@ -12804,7 +11884,7 @@
         </p:nvSpPr>
         <p:spPr>
           <a:xfrm>
-            <a:off x="1540934" y="6639855"/>
+            <a:off x="1540934" y="1333760"/>
             <a:ext cx="1479892" cy="215444"/>
           </a:xfrm>
           <a:prstGeom prst="rect">
@@ -12853,7 +11933,7 @@
         </p:nvSpPr>
         <p:spPr>
           <a:xfrm>
-            <a:off x="2129710" y="6875846"/>
+            <a:off x="2129710" y="1569751"/>
             <a:ext cx="2942983" cy="338554"/>
           </a:xfrm>
           <a:prstGeom prst="rect">
@@ -12915,7 +11995,7 @@
         </p:nvCxnSpPr>
         <p:spPr>
           <a:xfrm>
-            <a:off x="1206500" y="7001920"/>
+            <a:off x="1206500" y="1695825"/>
             <a:ext cx="923210" cy="0"/>
           </a:xfrm>
           <a:prstGeom prst="straightConnector1">
@@ -12952,7 +12032,7 @@
         </p:nvCxnSpPr>
         <p:spPr>
           <a:xfrm>
-            <a:off x="594671" y="6258514"/>
+            <a:off x="594671" y="952419"/>
             <a:ext cx="0" cy="2135502"/>
           </a:xfrm>
           <a:prstGeom prst="straightConnector1">
@@ -12989,7 +12069,7 @@
         </p:nvSpPr>
         <p:spPr>
           <a:xfrm>
-            <a:off x="929105" y="7214400"/>
+            <a:off x="929105" y="1908305"/>
             <a:ext cx="5361664" cy="338554"/>
           </a:xfrm>
           <a:prstGeom prst="rect">
@@ -13077,7 +12157,7 @@
         </p:nvCxnSpPr>
         <p:spPr>
           <a:xfrm>
-            <a:off x="594671" y="7537566"/>
+            <a:off x="594671" y="2231471"/>
             <a:ext cx="334434" cy="0"/>
           </a:xfrm>
           <a:prstGeom prst="straightConnector1">
@@ -13114,7 +12194,7 @@
         </p:nvSpPr>
         <p:spPr>
           <a:xfrm>
-            <a:off x="929105" y="7429844"/>
+            <a:off x="929105" y="2123749"/>
             <a:ext cx="3442168" cy="215444"/>
           </a:xfrm>
           <a:prstGeom prst="rect">
@@ -13199,7 +12279,7 @@
         </p:nvGrpSpPr>
         <p:grpSpPr>
           <a:xfrm>
-            <a:off x="605265" y="7957531"/>
+            <a:off x="605265" y="2651436"/>
             <a:ext cx="334434" cy="84438"/>
             <a:chOff x="1473301" y="2014838"/>
             <a:chExt cx="334434" cy="84438"/>
@@ -13325,7 +12405,7 @@
         </p:nvSpPr>
         <p:spPr>
           <a:xfrm>
-            <a:off x="921089" y="7892028"/>
+            <a:off x="921089" y="2585933"/>
             <a:ext cx="1300356" cy="215444"/>
           </a:xfrm>
           <a:prstGeom prst="rect">
@@ -13374,7 +12454,7 @@
         </p:nvCxnSpPr>
         <p:spPr>
           <a:xfrm>
-            <a:off x="1206500" y="8202950"/>
+            <a:off x="1206500" y="2896855"/>
             <a:ext cx="334434" cy="0"/>
           </a:xfrm>
           <a:prstGeom prst="straightConnector1">
@@ -13411,7 +12491,7 @@
         </p:nvSpPr>
         <p:spPr>
           <a:xfrm>
-            <a:off x="1540934" y="8107472"/>
+            <a:off x="1540934" y="2801377"/>
             <a:ext cx="2400066" cy="215444"/>
           </a:xfrm>
           <a:prstGeom prst="rect">
@@ -13496,7 +12576,7 @@
         </p:nvCxnSpPr>
         <p:spPr>
           <a:xfrm>
-            <a:off x="1206500" y="8105128"/>
+            <a:off x="1206500" y="2799033"/>
             <a:ext cx="0" cy="97822"/>
           </a:xfrm>
           <a:prstGeom prst="straightConnector1">
@@ -13534,7 +12614,7 @@
         </p:nvSpPr>
         <p:spPr>
           <a:xfrm>
-            <a:off x="34384" y="8394016"/>
+            <a:off x="34384" y="3087921"/>
             <a:ext cx="1600669" cy="215444"/>
           </a:xfrm>
           <a:prstGeom prst="rect">
@@ -13583,7 +12663,7 @@
         </p:nvSpPr>
         <p:spPr>
           <a:xfrm>
-            <a:off x="34384" y="5306095"/>
+            <a:off x="34384" y="0"/>
             <a:ext cx="979755" cy="276999"/>
           </a:xfrm>
           <a:prstGeom prst="rect">
@@ -13609,68 +12689,6 @@
           </a:p>
         </p:txBody>
       </p:sp>
-      <p:sp>
-        <p:nvSpPr>
-          <p:cNvPr id="166" name="テキスト ボックス 165"/>
-          <p:cNvSpPr txBox="1"/>
-          <p:nvPr/>
-        </p:nvSpPr>
-        <p:spPr>
-          <a:xfrm>
-            <a:off x="2928208" y="883580"/>
-            <a:ext cx="447809" cy="215444"/>
-          </a:xfrm>
-          <a:prstGeom prst="rect">
-            <a:avLst/>
-          </a:prstGeom>
-          <a:noFill/>
-          <a:ln>
-            <a:noFill/>
-          </a:ln>
-          <a:effectLst/>
-        </p:spPr>
-        <p:txBody>
-          <a:bodyPr wrap="none" rtlCol="0">
-            <a:spAutoFit/>
-          </a:bodyPr>
-          <a:lstStyle/>
-          <a:p>
-            <a:r>
-              <a:rPr lang="en-US" altLang="ja-JP" sz="800" dirty="0" smtClean="0">
-                <a:solidFill>
-                  <a:srgbClr val="000000"/>
-                </a:solidFill>
-                <a:cs typeface="Monaco"/>
-              </a:rPr>
-              <a:t>&lt;</a:t>
-            </a:r>
-            <a:r>
-              <a:rPr lang="ja-JP" altLang="en-US" sz="800" dirty="0" smtClean="0">
-                <a:solidFill>
-                  <a:srgbClr val="000000"/>
-                </a:solidFill>
-                <a:cs typeface="Monaco"/>
-              </a:rPr>
-              <a:t> </a:t>
-            </a:r>
-            <a:r>
-              <a:rPr lang="en-US" altLang="ja-JP" sz="800" dirty="0" smtClean="0">
-                <a:solidFill>
-                  <a:srgbClr val="000000"/>
-                </a:solidFill>
-                <a:cs typeface="Monaco"/>
-              </a:rPr>
-              <a:t>(12’)</a:t>
-            </a:r>
-            <a:endParaRPr lang="ja-JP" altLang="en-US" sz="800" dirty="0" smtClean="0">
-              <a:solidFill>
-                <a:srgbClr val="000000"/>
-              </a:solidFill>
-              <a:cs typeface="Monaco"/>
-            </a:endParaRPr>
-          </a:p>
-        </p:txBody>
-      </p:sp>
       <p:cxnSp>
         <p:nvCxnSpPr>
           <p:cNvPr id="67" name="直線矢印コネクタ 66"/>
@@ -13679,7 +12697,7 @@
         </p:nvCxnSpPr>
         <p:spPr>
           <a:xfrm>
-            <a:off x="594671" y="7753010"/>
+            <a:off x="594671" y="2446915"/>
             <a:ext cx="334434" cy="0"/>
           </a:xfrm>
           <a:prstGeom prst="straightConnector1">
@@ -13716,7 +12734,7 @@
         </p:nvSpPr>
         <p:spPr>
           <a:xfrm>
-            <a:off x="929105" y="7645288"/>
+            <a:off x="929105" y="2339193"/>
             <a:ext cx="3000291" cy="215444"/>
           </a:xfrm>
           <a:prstGeom prst="rect">
@@ -13800,7 +12818,7 @@
         </p:nvSpPr>
         <p:spPr>
           <a:xfrm>
-            <a:off x="2207008" y="7892028"/>
+            <a:off x="2207008" y="2585933"/>
             <a:ext cx="425166" cy="215444"/>
           </a:xfrm>
           <a:prstGeom prst="rect">
@@ -13849,2138 +12867,6 @@
               <a:solidFill>
                 <a:srgbClr val="000000"/>
               </a:solidFill>
-              <a:cs typeface="Monaco"/>
-            </a:endParaRPr>
-          </a:p>
-        </p:txBody>
-      </p:sp>
-      <p:cxnSp>
-        <p:nvCxnSpPr>
-          <p:cNvPr id="76" name="直線矢印コネクタ 75"/>
-          <p:cNvCxnSpPr/>
-          <p:nvPr/>
-        </p:nvCxnSpPr>
-        <p:spPr>
-          <a:xfrm>
-            <a:off x="605265" y="766459"/>
-            <a:ext cx="334434" cy="0"/>
-          </a:xfrm>
-          <a:prstGeom prst="straightConnector1">
-            <a:avLst/>
-          </a:prstGeom>
-          <a:ln>
-            <a:solidFill>
-              <a:srgbClr val="000000"/>
-            </a:solidFill>
-            <a:tailEnd type="arrow"/>
-          </a:ln>
-          <a:effectLst/>
-        </p:spPr>
-        <p:style>
-          <a:lnRef idx="2">
-            <a:schemeClr val="accent1"/>
-          </a:lnRef>
-          <a:fillRef idx="0">
-            <a:schemeClr val="accent1"/>
-          </a:fillRef>
-          <a:effectRef idx="1">
-            <a:schemeClr val="accent1"/>
-          </a:effectRef>
-          <a:fontRef idx="minor">
-            <a:schemeClr val="tx1"/>
-          </a:fontRef>
-        </p:style>
-      </p:cxnSp>
-      <p:sp>
-        <p:nvSpPr>
-          <p:cNvPr id="77" name="テキスト ボックス 76"/>
-          <p:cNvSpPr txBox="1"/>
-          <p:nvPr/>
-        </p:nvSpPr>
-        <p:spPr>
-          <a:xfrm>
-            <a:off x="921089" y="657825"/>
-            <a:ext cx="1854845" cy="215444"/>
-          </a:xfrm>
-          <a:prstGeom prst="rect">
-            <a:avLst/>
-          </a:prstGeom>
-          <a:noFill/>
-          <a:ln>
-            <a:noFill/>
-          </a:ln>
-          <a:effectLst/>
-        </p:spPr>
-        <p:txBody>
-          <a:bodyPr wrap="none" rtlCol="0">
-            <a:spAutoFit/>
-          </a:bodyPr>
-          <a:lstStyle/>
-          <a:p>
-            <a:r>
-              <a:rPr kumimoji="1" lang="en-US" altLang="ja-JP" sz="800" dirty="0" smtClean="0">
-                <a:latin typeface="+mj-lt"/>
-                <a:cs typeface="Monaco"/>
-              </a:rPr>
-              <a:t>(12) </a:t>
-            </a:r>
-            <a:r>
-              <a:rPr kumimoji="1" lang="ja-JP" altLang="en-US" sz="800" dirty="0" smtClean="0">
-                <a:latin typeface="+mj-lt"/>
-                <a:cs typeface="Monaco"/>
-              </a:rPr>
-              <a:t>に</a:t>
-            </a:r>
-            <a:r>
-              <a:rPr kumimoji="1" lang="en-US" altLang="ja-JP" sz="800" dirty="0" smtClean="0">
-                <a:latin typeface="+mj-lt"/>
-                <a:cs typeface="Monaco"/>
-              </a:rPr>
-              <a:t> (14’) </a:t>
-            </a:r>
-            <a:r>
-              <a:rPr kumimoji="1" lang="ja-JP" altLang="en-US" sz="800" dirty="0" smtClean="0">
-                <a:latin typeface="+mj-lt"/>
-                <a:cs typeface="Monaco"/>
-              </a:rPr>
-              <a:t>の分類結果を追加 </a:t>
-            </a:r>
-            <a:r>
-              <a:rPr lang="en-US" altLang="ja-JP" sz="800" dirty="0"/>
-              <a:t>--- </a:t>
-            </a:r>
-            <a:r>
-              <a:rPr lang="en-US" altLang="ja-JP" sz="800" b="1" dirty="0">
-                <a:solidFill>
-                  <a:srgbClr val="3366FF"/>
-                </a:solidFill>
-              </a:rPr>
-              <a:t>(</a:t>
-            </a:r>
-            <a:r>
-              <a:rPr lang="en-US" altLang="ja-JP" sz="800" b="1" dirty="0" smtClean="0">
-                <a:solidFill>
-                  <a:srgbClr val="3366FF"/>
-                </a:solidFill>
-              </a:rPr>
-              <a:t>12’)</a:t>
-            </a:r>
-            <a:endParaRPr lang="en-US" altLang="ja-JP" sz="800" b="1" dirty="0">
-              <a:solidFill>
-                <a:srgbClr val="3366FF"/>
-              </a:solidFill>
-            </a:endParaRPr>
-          </a:p>
-        </p:txBody>
-      </p:sp>
-      <p:cxnSp>
-        <p:nvCxnSpPr>
-          <p:cNvPr id="79" name="直線矢印コネクタ 78"/>
-          <p:cNvCxnSpPr/>
-          <p:nvPr/>
-        </p:nvCxnSpPr>
-        <p:spPr>
-          <a:xfrm>
-            <a:off x="1206500" y="1074922"/>
-            <a:ext cx="0" cy="119580"/>
-          </a:xfrm>
-          <a:prstGeom prst="straightConnector1">
-            <a:avLst/>
-          </a:prstGeom>
-          <a:ln>
-            <a:solidFill>
-              <a:srgbClr val="000000"/>
-            </a:solidFill>
-            <a:headEnd type="none"/>
-            <a:tailEnd type="none"/>
-          </a:ln>
-          <a:effectLst/>
-        </p:spPr>
-        <p:style>
-          <a:lnRef idx="2">
-            <a:schemeClr val="accent1"/>
-          </a:lnRef>
-          <a:fillRef idx="0">
-            <a:schemeClr val="accent1"/>
-          </a:fillRef>
-          <a:effectRef idx="1">
-            <a:schemeClr val="accent1"/>
-          </a:effectRef>
-          <a:fontRef idx="minor">
-            <a:schemeClr val="tx1"/>
-          </a:fontRef>
-        </p:style>
-      </p:cxnSp>
-      <p:cxnSp>
-        <p:nvCxnSpPr>
-          <p:cNvPr id="84" name="直線矢印コネクタ 83"/>
-          <p:cNvCxnSpPr/>
-          <p:nvPr/>
-        </p:nvCxnSpPr>
-        <p:spPr>
-          <a:xfrm>
-            <a:off x="1206500" y="1994602"/>
-            <a:ext cx="334434" cy="0"/>
-          </a:xfrm>
-          <a:prstGeom prst="straightConnector1">
-            <a:avLst/>
-          </a:prstGeom>
-          <a:ln>
-            <a:solidFill>
-              <a:srgbClr val="000000"/>
-            </a:solidFill>
-            <a:tailEnd type="arrow"/>
-          </a:ln>
-          <a:effectLst/>
-        </p:spPr>
-        <p:style>
-          <a:lnRef idx="2">
-            <a:schemeClr val="accent1"/>
-          </a:lnRef>
-          <a:fillRef idx="0">
-            <a:schemeClr val="accent1"/>
-          </a:fillRef>
-          <a:effectRef idx="1">
-            <a:schemeClr val="accent1"/>
-          </a:effectRef>
-          <a:fontRef idx="minor">
-            <a:schemeClr val="tx1"/>
-          </a:fontRef>
-        </p:style>
-      </p:cxnSp>
-      <p:sp>
-        <p:nvSpPr>
-          <p:cNvPr id="85" name="テキスト ボックス 84"/>
-          <p:cNvSpPr txBox="1"/>
-          <p:nvPr/>
-        </p:nvSpPr>
-        <p:spPr>
-          <a:xfrm>
-            <a:off x="1540934" y="1866234"/>
-            <a:ext cx="3906889" cy="215444"/>
-          </a:xfrm>
-          <a:prstGeom prst="rect">
-            <a:avLst/>
-          </a:prstGeom>
-          <a:noFill/>
-          <a:ln>
-            <a:noFill/>
-          </a:ln>
-          <a:effectLst/>
-        </p:spPr>
-        <p:txBody>
-          <a:bodyPr wrap="none" rtlCol="0">
-            <a:spAutoFit/>
-          </a:bodyPr>
-          <a:lstStyle/>
-          <a:p>
-            <a:r>
-              <a:rPr lang="en-US" altLang="ja-JP" sz="800" dirty="0" smtClean="0">
-                <a:solidFill>
-                  <a:srgbClr val="FF00FF"/>
-                </a:solidFill>
-              </a:rPr>
-              <a:t>$</a:t>
-            </a:r>
-            <a:r>
-              <a:rPr lang="en-US" altLang="ja-JP" sz="800" dirty="0" smtClean="0"/>
-              <a:t>projectDir/results/</a:t>
-            </a:r>
-            <a:r>
-              <a:rPr lang="en-US" altLang="ja-JP" sz="800" dirty="0" smtClean="0">
-                <a:solidFill>
-                  <a:srgbClr val="FF00FF"/>
-                </a:solidFill>
-              </a:rPr>
-              <a:t>$</a:t>
-            </a:r>
-            <a:r>
-              <a:rPr lang="en-US" altLang="ja-JP" sz="800" dirty="0" smtClean="0"/>
-              <a:t>Genome/public/</a:t>
-            </a:r>
-            <a:r>
-              <a:rPr lang="en-US" altLang="ja-JP" sz="800" dirty="0" smtClean="0">
-                <a:solidFill>
-                  <a:srgbClr val="FF00FF"/>
-                </a:solidFill>
-              </a:rPr>
-              <a:t>$</a:t>
-            </a:r>
-            <a:r>
-              <a:rPr lang="en-US" altLang="ja-JP" sz="800" dirty="0" smtClean="0"/>
-              <a:t>LargeAg.</a:t>
-            </a:r>
-            <a:r>
-              <a:rPr lang="en-US" altLang="ja-JP" sz="800" dirty="0" smtClean="0">
-                <a:solidFill>
-                  <a:srgbClr val="FF00FF"/>
-                </a:solidFill>
-              </a:rPr>
-              <a:t>$</a:t>
-            </a:r>
-            <a:r>
-              <a:rPr lang="en-US" altLang="ja-JP" sz="800" b="1" dirty="0" smtClean="0"/>
-              <a:t>LargeCell</a:t>
-            </a:r>
-            <a:r>
-              <a:rPr lang="en-US" altLang="ja-JP" sz="800" dirty="0" smtClean="0"/>
-              <a:t>.</a:t>
-            </a:r>
-            <a:r>
-              <a:rPr lang="en-US" altLang="ja-JP" sz="800" dirty="0" smtClean="0">
-                <a:solidFill>
-                  <a:srgbClr val="FF00FF"/>
-                </a:solidFill>
-              </a:rPr>
-              <a:t>$</a:t>
-            </a:r>
-            <a:r>
-              <a:rPr lang="en-US" altLang="ja-JP" sz="800" dirty="0" smtClean="0"/>
-              <a:t>qVal.AllAg.AllCell.bed --- </a:t>
-            </a:r>
-            <a:r>
-              <a:rPr lang="en-US" altLang="ja-JP" sz="800" b="1" dirty="0" smtClean="0">
-                <a:solidFill>
-                  <a:srgbClr val="3366FF"/>
-                </a:solidFill>
-              </a:rPr>
-              <a:t>(16)</a:t>
-            </a:r>
-          </a:p>
-        </p:txBody>
-      </p:sp>
-      <p:grpSp>
-        <p:nvGrpSpPr>
-          <p:cNvPr id="86" name="図形グループ 85"/>
-          <p:cNvGrpSpPr/>
-          <p:nvPr/>
-        </p:nvGrpSpPr>
-        <p:grpSpPr>
-          <a:xfrm>
-            <a:off x="605265" y="1746839"/>
-            <a:ext cx="334434" cy="84438"/>
-            <a:chOff x="1473301" y="2014838"/>
-            <a:chExt cx="334434" cy="84438"/>
-          </a:xfrm>
-        </p:grpSpPr>
-        <p:cxnSp>
-          <p:nvCxnSpPr>
-            <p:cNvPr id="87" name="直線矢印コネクタ 86"/>
-            <p:cNvCxnSpPr/>
-            <p:nvPr/>
-          </p:nvCxnSpPr>
-          <p:spPr>
-            <a:xfrm>
-              <a:off x="1473301" y="2014838"/>
-              <a:ext cx="334434" cy="0"/>
-            </a:xfrm>
-            <a:prstGeom prst="straightConnector1">
-              <a:avLst/>
-            </a:prstGeom>
-            <a:ln w="9525" cmpd="sng">
-              <a:solidFill>
-                <a:srgbClr val="000000"/>
-              </a:solidFill>
-              <a:tailEnd type="stealth" w="sm" len="med"/>
-            </a:ln>
-            <a:effectLst/>
-          </p:spPr>
-          <p:style>
-            <a:lnRef idx="2">
-              <a:schemeClr val="accent1"/>
-            </a:lnRef>
-            <a:fillRef idx="0">
-              <a:schemeClr val="accent1"/>
-            </a:fillRef>
-            <a:effectRef idx="1">
-              <a:schemeClr val="accent1"/>
-            </a:effectRef>
-            <a:fontRef idx="minor">
-              <a:schemeClr val="tx1"/>
-            </a:fontRef>
-          </p:style>
-        </p:cxnSp>
-        <p:cxnSp>
-          <p:nvCxnSpPr>
-            <p:cNvPr id="89" name="直線矢印コネクタ 88"/>
-            <p:cNvCxnSpPr/>
-            <p:nvPr/>
-          </p:nvCxnSpPr>
-          <p:spPr>
-            <a:xfrm>
-              <a:off x="1473301" y="2057057"/>
-              <a:ext cx="334434" cy="0"/>
-            </a:xfrm>
-            <a:prstGeom prst="straightConnector1">
-              <a:avLst/>
-            </a:prstGeom>
-            <a:ln w="9525" cmpd="sng">
-              <a:solidFill>
-                <a:srgbClr val="000000"/>
-              </a:solidFill>
-              <a:tailEnd type="stealth" w="sm" len="med"/>
-            </a:ln>
-            <a:effectLst/>
-          </p:spPr>
-          <p:style>
-            <a:lnRef idx="2">
-              <a:schemeClr val="accent1"/>
-            </a:lnRef>
-            <a:fillRef idx="0">
-              <a:schemeClr val="accent1"/>
-            </a:fillRef>
-            <a:effectRef idx="1">
-              <a:schemeClr val="accent1"/>
-            </a:effectRef>
-            <a:fontRef idx="minor">
-              <a:schemeClr val="tx1"/>
-            </a:fontRef>
-          </p:style>
-        </p:cxnSp>
-        <p:cxnSp>
-          <p:nvCxnSpPr>
-            <p:cNvPr id="90" name="直線矢印コネクタ 89"/>
-            <p:cNvCxnSpPr/>
-            <p:nvPr/>
-          </p:nvCxnSpPr>
-          <p:spPr>
-            <a:xfrm>
-              <a:off x="1473301" y="2099276"/>
-              <a:ext cx="334434" cy="0"/>
-            </a:xfrm>
-            <a:prstGeom prst="straightConnector1">
-              <a:avLst/>
-            </a:prstGeom>
-            <a:ln w="9525" cmpd="sng">
-              <a:solidFill>
-                <a:srgbClr val="000000"/>
-              </a:solidFill>
-              <a:tailEnd type="stealth" w="sm" len="med"/>
-            </a:ln>
-            <a:effectLst/>
-          </p:spPr>
-          <p:style>
-            <a:lnRef idx="2">
-              <a:schemeClr val="accent1"/>
-            </a:lnRef>
-            <a:fillRef idx="0">
-              <a:schemeClr val="accent1"/>
-            </a:fillRef>
-            <a:effectRef idx="1">
-              <a:schemeClr val="accent1"/>
-            </a:effectRef>
-            <a:fontRef idx="minor">
-              <a:schemeClr val="tx1"/>
-            </a:fontRef>
-          </p:style>
-        </p:cxnSp>
-      </p:grpSp>
-      <p:sp>
-        <p:nvSpPr>
-          <p:cNvPr id="91" name="テキスト ボックス 90"/>
-          <p:cNvSpPr txBox="1"/>
-          <p:nvPr/>
-        </p:nvSpPr>
-        <p:spPr>
-          <a:xfrm>
-            <a:off x="939699" y="1681336"/>
-            <a:ext cx="1479892" cy="215444"/>
-          </a:xfrm>
-          <a:prstGeom prst="rect">
-            <a:avLst/>
-          </a:prstGeom>
-          <a:solidFill>
-            <a:schemeClr val="tx1"/>
-          </a:solidFill>
-          <a:ln>
-            <a:noFill/>
-          </a:ln>
-          <a:effectLst/>
-        </p:spPr>
-        <p:txBody>
-          <a:bodyPr wrap="none" rtlCol="0">
-            <a:spAutoFit/>
-          </a:bodyPr>
-          <a:lstStyle/>
-          <a:p>
-            <a:pPr algn="ctr"/>
-            <a:r>
-              <a:rPr lang="en-US" altLang="ja-JP" sz="800" dirty="0" smtClean="0">
-                <a:solidFill>
-                  <a:schemeClr val="bg1"/>
-                </a:solidFill>
-                <a:latin typeface="Monaco"/>
-                <a:cs typeface="Monaco"/>
-              </a:rPr>
-              <a:t>qsub </a:t>
-            </a:r>
-            <a:r>
-              <a:rPr lang="en-US" altLang="ja-JP" sz="800" dirty="0" smtClean="0">
-                <a:solidFill>
-                  <a:srgbClr val="FFFFFF"/>
-                </a:solidFill>
-                <a:latin typeface="Monaco"/>
-                <a:cs typeface="Monaco"/>
-              </a:rPr>
-              <a:t>classify.sh -m x</a:t>
-            </a:r>
-            <a:endParaRPr kumimoji="1" lang="ja-JP" altLang="en-US" sz="800" dirty="0">
-              <a:solidFill>
-                <a:schemeClr val="bg1"/>
-              </a:solidFill>
-              <a:latin typeface="Monaco"/>
-              <a:cs typeface="Monaco"/>
-            </a:endParaRPr>
-          </a:p>
-        </p:txBody>
-      </p:sp>
-      <p:sp>
-        <p:nvSpPr>
-          <p:cNvPr id="92" name="テキスト ボックス 91"/>
-          <p:cNvSpPr txBox="1"/>
-          <p:nvPr/>
-        </p:nvSpPr>
-        <p:spPr>
-          <a:xfrm>
-            <a:off x="2377722" y="1683680"/>
-            <a:ext cx="577953" cy="215444"/>
-          </a:xfrm>
-          <a:prstGeom prst="rect">
-            <a:avLst/>
-          </a:prstGeom>
-          <a:noFill/>
-          <a:ln>
-            <a:noFill/>
-          </a:ln>
-          <a:effectLst/>
-        </p:spPr>
-        <p:txBody>
-          <a:bodyPr wrap="none" rtlCol="0">
-            <a:spAutoFit/>
-          </a:bodyPr>
-          <a:lstStyle/>
-          <a:p>
-            <a:r>
-              <a:rPr lang="en-US" altLang="ja-JP" sz="800" dirty="0" smtClean="0">
-                <a:solidFill>
-                  <a:srgbClr val="000000"/>
-                </a:solidFill>
-                <a:cs typeface="Monaco"/>
-              </a:rPr>
-              <a:t>&lt;</a:t>
-            </a:r>
-            <a:r>
-              <a:rPr lang="ja-JP" altLang="en-US" sz="800" dirty="0" smtClean="0">
-                <a:solidFill>
-                  <a:srgbClr val="000000"/>
-                </a:solidFill>
-                <a:cs typeface="Monaco"/>
-              </a:rPr>
-              <a:t> </a:t>
-            </a:r>
-            <a:r>
-              <a:rPr lang="en-US" altLang="ja-JP" sz="800" dirty="0" smtClean="0">
-                <a:solidFill>
-                  <a:srgbClr val="000000"/>
-                </a:solidFill>
-                <a:cs typeface="Monaco"/>
-              </a:rPr>
-              <a:t>(14, 15)</a:t>
-            </a:r>
-            <a:endParaRPr lang="ja-JP" altLang="en-US" sz="800" dirty="0" smtClean="0">
-              <a:solidFill>
-                <a:srgbClr val="000000"/>
-              </a:solidFill>
-              <a:cs typeface="Monaco"/>
-            </a:endParaRPr>
-          </a:p>
-        </p:txBody>
-      </p:sp>
-      <p:cxnSp>
-        <p:nvCxnSpPr>
-          <p:cNvPr id="94" name="直線矢印コネクタ 93"/>
-          <p:cNvCxnSpPr/>
-          <p:nvPr/>
-        </p:nvCxnSpPr>
-        <p:spPr>
-          <a:xfrm>
-            <a:off x="1206500" y="1875022"/>
-            <a:ext cx="0" cy="119580"/>
-          </a:xfrm>
-          <a:prstGeom prst="straightConnector1">
-            <a:avLst/>
-          </a:prstGeom>
-          <a:ln>
-            <a:solidFill>
-              <a:srgbClr val="000000"/>
-            </a:solidFill>
-            <a:headEnd type="none"/>
-            <a:tailEnd type="none"/>
-          </a:ln>
-          <a:effectLst/>
-        </p:spPr>
-        <p:style>
-          <a:lnRef idx="2">
-            <a:schemeClr val="accent1"/>
-          </a:lnRef>
-          <a:fillRef idx="0">
-            <a:schemeClr val="accent1"/>
-          </a:fillRef>
-          <a:effectRef idx="1">
-            <a:schemeClr val="accent1"/>
-          </a:effectRef>
-          <a:fontRef idx="minor">
-            <a:schemeClr val="tx1"/>
-          </a:fontRef>
-        </p:style>
-      </p:cxnSp>
-      <p:cxnSp>
-        <p:nvCxnSpPr>
-          <p:cNvPr id="96" name="直線矢印コネクタ 95"/>
-          <p:cNvCxnSpPr/>
-          <p:nvPr/>
-        </p:nvCxnSpPr>
-        <p:spPr>
-          <a:xfrm>
-            <a:off x="1206500" y="2464502"/>
-            <a:ext cx="334434" cy="0"/>
-          </a:xfrm>
-          <a:prstGeom prst="straightConnector1">
-            <a:avLst/>
-          </a:prstGeom>
-          <a:ln>
-            <a:solidFill>
-              <a:srgbClr val="000000"/>
-            </a:solidFill>
-            <a:tailEnd type="arrow"/>
-          </a:ln>
-          <a:effectLst/>
-        </p:spPr>
-        <p:style>
-          <a:lnRef idx="2">
-            <a:schemeClr val="accent1"/>
-          </a:lnRef>
-          <a:fillRef idx="0">
-            <a:schemeClr val="accent1"/>
-          </a:fillRef>
-          <a:effectRef idx="1">
-            <a:schemeClr val="accent1"/>
-          </a:effectRef>
-          <a:fontRef idx="minor">
-            <a:schemeClr val="tx1"/>
-          </a:fontRef>
-        </p:style>
-      </p:cxnSp>
-      <p:sp>
-        <p:nvSpPr>
-          <p:cNvPr id="97" name="テキスト ボックス 96"/>
-          <p:cNvSpPr txBox="1"/>
-          <p:nvPr/>
-        </p:nvSpPr>
-        <p:spPr>
-          <a:xfrm>
-            <a:off x="1540934" y="2336134"/>
-            <a:ext cx="4174490" cy="215444"/>
-          </a:xfrm>
-          <a:prstGeom prst="rect">
-            <a:avLst/>
-          </a:prstGeom>
-          <a:noFill/>
-          <a:ln>
-            <a:noFill/>
-          </a:ln>
-          <a:effectLst/>
-        </p:spPr>
-        <p:txBody>
-          <a:bodyPr wrap="none" rtlCol="0">
-            <a:spAutoFit/>
-          </a:bodyPr>
-          <a:lstStyle/>
-          <a:p>
-            <a:r>
-              <a:rPr lang="en-US" altLang="ja-JP" sz="800" dirty="0" smtClean="0">
-                <a:solidFill>
-                  <a:srgbClr val="FF00FF"/>
-                </a:solidFill>
-              </a:rPr>
-              <a:t>$</a:t>
-            </a:r>
-            <a:r>
-              <a:rPr lang="en-US" altLang="ja-JP" sz="800" dirty="0" smtClean="0"/>
-              <a:t>projectDir/results/</a:t>
-            </a:r>
-            <a:r>
-              <a:rPr lang="en-US" altLang="ja-JP" sz="800" dirty="0" smtClean="0">
-                <a:solidFill>
-                  <a:srgbClr val="FF00FF"/>
-                </a:solidFill>
-              </a:rPr>
-              <a:t>$</a:t>
-            </a:r>
-            <a:r>
-              <a:rPr lang="en-US" altLang="ja-JP" sz="800" dirty="0" smtClean="0"/>
-              <a:t>Genome/public/</a:t>
-            </a:r>
-            <a:r>
-              <a:rPr lang="en-US" altLang="ja-JP" sz="800" dirty="0" smtClean="0">
-                <a:solidFill>
-                  <a:srgbClr val="FF00FF"/>
-                </a:solidFill>
-              </a:rPr>
-              <a:t>$</a:t>
-            </a:r>
-            <a:r>
-              <a:rPr lang="en-US" altLang="ja-JP" sz="800" dirty="0" smtClean="0"/>
-              <a:t>LargeAg.</a:t>
-            </a:r>
-            <a:r>
-              <a:rPr lang="en-US" altLang="ja-JP" sz="800" dirty="0" smtClean="0">
-                <a:solidFill>
-                  <a:srgbClr val="FF00FF"/>
-                </a:solidFill>
-              </a:rPr>
-              <a:t>$</a:t>
-            </a:r>
-            <a:r>
-              <a:rPr lang="en-US" altLang="ja-JP" sz="800" dirty="0" smtClean="0"/>
-              <a:t>LargeCell.</a:t>
-            </a:r>
-            <a:r>
-              <a:rPr lang="en-US" altLang="ja-JP" sz="800" dirty="0" smtClean="0">
-                <a:solidFill>
-                  <a:srgbClr val="FF00FF"/>
-                </a:solidFill>
-              </a:rPr>
-              <a:t>$</a:t>
-            </a:r>
-            <a:r>
-              <a:rPr lang="en-US" altLang="ja-JP" sz="800" dirty="0" smtClean="0"/>
-              <a:t>qVal.</a:t>
-            </a:r>
-            <a:r>
-              <a:rPr lang="en-US" altLang="ja-JP" sz="800" dirty="0" smtClean="0">
-                <a:solidFill>
-                  <a:srgbClr val="FF00FF"/>
-                </a:solidFill>
-              </a:rPr>
-              <a:t>$</a:t>
-            </a:r>
-            <a:r>
-              <a:rPr lang="en-US" altLang="ja-JP" sz="800" dirty="0" smtClean="0"/>
-              <a:t>AllAg.</a:t>
-            </a:r>
-            <a:r>
-              <a:rPr lang="en-US" altLang="ja-JP" sz="800" dirty="0" smtClean="0">
-                <a:solidFill>
-                  <a:srgbClr val="FF00FF"/>
-                </a:solidFill>
-              </a:rPr>
-              <a:t>$</a:t>
-            </a:r>
-            <a:r>
-              <a:rPr lang="en-US" altLang="ja-JP" sz="800" b="1" dirty="0"/>
-              <a:t>Small</a:t>
-            </a:r>
-            <a:r>
-              <a:rPr lang="en-US" altLang="ja-JP" sz="800" b="1" dirty="0" smtClean="0"/>
-              <a:t>Cell</a:t>
-            </a:r>
-            <a:r>
-              <a:rPr lang="en-US" altLang="ja-JP" sz="800" dirty="0" smtClean="0"/>
-              <a:t>.bed --- </a:t>
-            </a:r>
-            <a:r>
-              <a:rPr lang="en-US" altLang="ja-JP" sz="800" b="1" dirty="0" smtClean="0">
-                <a:solidFill>
-                  <a:srgbClr val="3366FF"/>
-                </a:solidFill>
-              </a:rPr>
-              <a:t>(17)</a:t>
-            </a:r>
-          </a:p>
-        </p:txBody>
-      </p:sp>
-      <p:grpSp>
-        <p:nvGrpSpPr>
-          <p:cNvPr id="98" name="図形グループ 97"/>
-          <p:cNvGrpSpPr/>
-          <p:nvPr/>
-        </p:nvGrpSpPr>
-        <p:grpSpPr>
-          <a:xfrm>
-            <a:off x="605265" y="2216739"/>
-            <a:ext cx="334434" cy="84438"/>
-            <a:chOff x="1473301" y="2014838"/>
-            <a:chExt cx="334434" cy="84438"/>
-          </a:xfrm>
-        </p:grpSpPr>
-        <p:cxnSp>
-          <p:nvCxnSpPr>
-            <p:cNvPr id="99" name="直線矢印コネクタ 98"/>
-            <p:cNvCxnSpPr/>
-            <p:nvPr/>
-          </p:nvCxnSpPr>
-          <p:spPr>
-            <a:xfrm>
-              <a:off x="1473301" y="2014838"/>
-              <a:ext cx="334434" cy="0"/>
-            </a:xfrm>
-            <a:prstGeom prst="straightConnector1">
-              <a:avLst/>
-            </a:prstGeom>
-            <a:ln w="9525" cmpd="sng">
-              <a:solidFill>
-                <a:srgbClr val="000000"/>
-              </a:solidFill>
-              <a:tailEnd type="stealth" w="sm" len="med"/>
-            </a:ln>
-            <a:effectLst/>
-          </p:spPr>
-          <p:style>
-            <a:lnRef idx="2">
-              <a:schemeClr val="accent1"/>
-            </a:lnRef>
-            <a:fillRef idx="0">
-              <a:schemeClr val="accent1"/>
-            </a:fillRef>
-            <a:effectRef idx="1">
-              <a:schemeClr val="accent1"/>
-            </a:effectRef>
-            <a:fontRef idx="minor">
-              <a:schemeClr val="tx1"/>
-            </a:fontRef>
-          </p:style>
-        </p:cxnSp>
-        <p:cxnSp>
-          <p:nvCxnSpPr>
-            <p:cNvPr id="100" name="直線矢印コネクタ 99"/>
-            <p:cNvCxnSpPr/>
-            <p:nvPr/>
-          </p:nvCxnSpPr>
-          <p:spPr>
-            <a:xfrm>
-              <a:off x="1473301" y="2057057"/>
-              <a:ext cx="334434" cy="0"/>
-            </a:xfrm>
-            <a:prstGeom prst="straightConnector1">
-              <a:avLst/>
-            </a:prstGeom>
-            <a:ln w="9525" cmpd="sng">
-              <a:solidFill>
-                <a:srgbClr val="000000"/>
-              </a:solidFill>
-              <a:tailEnd type="stealth" w="sm" len="med"/>
-            </a:ln>
-            <a:effectLst/>
-          </p:spPr>
-          <p:style>
-            <a:lnRef idx="2">
-              <a:schemeClr val="accent1"/>
-            </a:lnRef>
-            <a:fillRef idx="0">
-              <a:schemeClr val="accent1"/>
-            </a:fillRef>
-            <a:effectRef idx="1">
-              <a:schemeClr val="accent1"/>
-            </a:effectRef>
-            <a:fontRef idx="minor">
-              <a:schemeClr val="tx1"/>
-            </a:fontRef>
-          </p:style>
-        </p:cxnSp>
-        <p:cxnSp>
-          <p:nvCxnSpPr>
-            <p:cNvPr id="102" name="直線矢印コネクタ 101"/>
-            <p:cNvCxnSpPr/>
-            <p:nvPr/>
-          </p:nvCxnSpPr>
-          <p:spPr>
-            <a:xfrm>
-              <a:off x="1473301" y="2099276"/>
-              <a:ext cx="334434" cy="0"/>
-            </a:xfrm>
-            <a:prstGeom prst="straightConnector1">
-              <a:avLst/>
-            </a:prstGeom>
-            <a:ln w="9525" cmpd="sng">
-              <a:solidFill>
-                <a:srgbClr val="000000"/>
-              </a:solidFill>
-              <a:tailEnd type="stealth" w="sm" len="med"/>
-            </a:ln>
-            <a:effectLst/>
-          </p:spPr>
-          <p:style>
-            <a:lnRef idx="2">
-              <a:schemeClr val="accent1"/>
-            </a:lnRef>
-            <a:fillRef idx="0">
-              <a:schemeClr val="accent1"/>
-            </a:fillRef>
-            <a:effectRef idx="1">
-              <a:schemeClr val="accent1"/>
-            </a:effectRef>
-            <a:fontRef idx="minor">
-              <a:schemeClr val="tx1"/>
-            </a:fontRef>
-          </p:style>
-        </p:cxnSp>
-      </p:grpSp>
-      <p:sp>
-        <p:nvSpPr>
-          <p:cNvPr id="103" name="テキスト ボックス 102"/>
-          <p:cNvSpPr txBox="1"/>
-          <p:nvPr/>
-        </p:nvSpPr>
-        <p:spPr>
-          <a:xfrm>
-            <a:off x="939699" y="2151236"/>
-            <a:ext cx="1479892" cy="215444"/>
-          </a:xfrm>
-          <a:prstGeom prst="rect">
-            <a:avLst/>
-          </a:prstGeom>
-          <a:solidFill>
-            <a:schemeClr val="tx1"/>
-          </a:solidFill>
-          <a:ln>
-            <a:noFill/>
-          </a:ln>
-          <a:effectLst/>
-        </p:spPr>
-        <p:txBody>
-          <a:bodyPr wrap="none" rtlCol="0">
-            <a:spAutoFit/>
-          </a:bodyPr>
-          <a:lstStyle/>
-          <a:p>
-            <a:pPr algn="ctr"/>
-            <a:r>
-              <a:rPr lang="en-US" altLang="ja-JP" sz="800" dirty="0" smtClean="0">
-                <a:solidFill>
-                  <a:schemeClr val="bg1"/>
-                </a:solidFill>
-                <a:latin typeface="Monaco"/>
-                <a:cs typeface="Monaco"/>
-              </a:rPr>
-              <a:t>qsub </a:t>
-            </a:r>
-            <a:r>
-              <a:rPr lang="en-US" altLang="ja-JP" sz="800" dirty="0" smtClean="0">
-                <a:solidFill>
-                  <a:srgbClr val="FFFFFF"/>
-                </a:solidFill>
-                <a:latin typeface="Monaco"/>
-                <a:cs typeface="Monaco"/>
-              </a:rPr>
-              <a:t>classify.sh -m m</a:t>
-            </a:r>
-            <a:endParaRPr kumimoji="1" lang="ja-JP" altLang="en-US" sz="800" dirty="0">
-              <a:solidFill>
-                <a:schemeClr val="bg1"/>
-              </a:solidFill>
-              <a:latin typeface="Monaco"/>
-              <a:cs typeface="Monaco"/>
-            </a:endParaRPr>
-          </a:p>
-        </p:txBody>
-      </p:sp>
-      <p:sp>
-        <p:nvSpPr>
-          <p:cNvPr id="107" name="テキスト ボックス 106"/>
-          <p:cNvSpPr txBox="1"/>
-          <p:nvPr/>
-        </p:nvSpPr>
-        <p:spPr>
-          <a:xfrm>
-            <a:off x="2377722" y="2153580"/>
-            <a:ext cx="577953" cy="215444"/>
-          </a:xfrm>
-          <a:prstGeom prst="rect">
-            <a:avLst/>
-          </a:prstGeom>
-          <a:noFill/>
-          <a:ln>
-            <a:noFill/>
-          </a:ln>
-          <a:effectLst/>
-        </p:spPr>
-        <p:txBody>
-          <a:bodyPr wrap="none" rtlCol="0">
-            <a:spAutoFit/>
-          </a:bodyPr>
-          <a:lstStyle/>
-          <a:p>
-            <a:r>
-              <a:rPr lang="en-US" altLang="ja-JP" sz="800" dirty="0" smtClean="0">
-                <a:solidFill>
-                  <a:srgbClr val="000000"/>
-                </a:solidFill>
-                <a:cs typeface="Monaco"/>
-              </a:rPr>
-              <a:t>&lt;</a:t>
-            </a:r>
-            <a:r>
-              <a:rPr lang="ja-JP" altLang="en-US" sz="800" dirty="0" smtClean="0">
-                <a:solidFill>
-                  <a:srgbClr val="000000"/>
-                </a:solidFill>
-                <a:cs typeface="Monaco"/>
-              </a:rPr>
-              <a:t> </a:t>
-            </a:r>
-            <a:r>
-              <a:rPr lang="en-US" altLang="ja-JP" sz="800" dirty="0" smtClean="0">
-                <a:solidFill>
-                  <a:srgbClr val="000000"/>
-                </a:solidFill>
-                <a:cs typeface="Monaco"/>
-              </a:rPr>
-              <a:t>(15, 16)</a:t>
-            </a:r>
-            <a:endParaRPr lang="ja-JP" altLang="en-US" sz="800" dirty="0" smtClean="0">
-              <a:solidFill>
-                <a:srgbClr val="000000"/>
-              </a:solidFill>
-              <a:cs typeface="Monaco"/>
-            </a:endParaRPr>
-          </a:p>
-        </p:txBody>
-      </p:sp>
-      <p:cxnSp>
-        <p:nvCxnSpPr>
-          <p:cNvPr id="108" name="直線矢印コネクタ 107"/>
-          <p:cNvCxnSpPr/>
-          <p:nvPr/>
-        </p:nvCxnSpPr>
-        <p:spPr>
-          <a:xfrm>
-            <a:off x="1206500" y="2344922"/>
-            <a:ext cx="0" cy="119580"/>
-          </a:xfrm>
-          <a:prstGeom prst="straightConnector1">
-            <a:avLst/>
-          </a:prstGeom>
-          <a:ln>
-            <a:solidFill>
-              <a:srgbClr val="000000"/>
-            </a:solidFill>
-            <a:headEnd type="none"/>
-            <a:tailEnd type="none"/>
-          </a:ln>
-          <a:effectLst/>
-        </p:spPr>
-        <p:style>
-          <a:lnRef idx="2">
-            <a:schemeClr val="accent1"/>
-          </a:lnRef>
-          <a:fillRef idx="0">
-            <a:schemeClr val="accent1"/>
-          </a:fillRef>
-          <a:effectRef idx="1">
-            <a:schemeClr val="accent1"/>
-          </a:effectRef>
-          <a:fontRef idx="minor">
-            <a:schemeClr val="tx1"/>
-          </a:fontRef>
-        </p:style>
-      </p:cxnSp>
-      <p:sp>
-        <p:nvSpPr>
-          <p:cNvPr id="109" name="テキスト ボックス 108"/>
-          <p:cNvSpPr txBox="1"/>
-          <p:nvPr/>
-        </p:nvSpPr>
-        <p:spPr>
-          <a:xfrm>
-            <a:off x="1540934" y="2497747"/>
-            <a:ext cx="4306688" cy="215444"/>
-          </a:xfrm>
-          <a:prstGeom prst="rect">
-            <a:avLst/>
-          </a:prstGeom>
-          <a:noFill/>
-          <a:ln>
-            <a:noFill/>
-          </a:ln>
-          <a:effectLst/>
-        </p:spPr>
-        <p:txBody>
-          <a:bodyPr wrap="none" rtlCol="0">
-            <a:spAutoFit/>
-          </a:bodyPr>
-          <a:lstStyle/>
-          <a:p>
-            <a:r>
-              <a:rPr lang="en-US" altLang="ja-JP" sz="800" dirty="0" smtClean="0">
-                <a:solidFill>
-                  <a:srgbClr val="FF00FF"/>
-                </a:solidFill>
-              </a:rPr>
-              <a:t>$</a:t>
-            </a:r>
-            <a:r>
-              <a:rPr lang="en-US" altLang="ja-JP" sz="800" dirty="0" smtClean="0"/>
-              <a:t>projectDir/results/</a:t>
-            </a:r>
-            <a:r>
-              <a:rPr lang="en-US" altLang="ja-JP" sz="800" dirty="0" smtClean="0">
-                <a:solidFill>
-                  <a:srgbClr val="FF00FF"/>
-                </a:solidFill>
-              </a:rPr>
-              <a:t>$</a:t>
-            </a:r>
-            <a:r>
-              <a:rPr lang="en-US" altLang="ja-JP" sz="800" dirty="0" smtClean="0"/>
-              <a:t>Genome/public/</a:t>
-            </a:r>
-            <a:r>
-              <a:rPr lang="en-US" altLang="ja-JP" sz="800" dirty="0" smtClean="0">
-                <a:solidFill>
-                  <a:srgbClr val="FF00FF"/>
-                </a:solidFill>
-              </a:rPr>
-              <a:t>$</a:t>
-            </a:r>
-            <a:r>
-              <a:rPr lang="en-US" altLang="ja-JP" sz="800" dirty="0" smtClean="0"/>
-              <a:t>LargeAg.</a:t>
-            </a:r>
-            <a:r>
-              <a:rPr lang="en-US" altLang="ja-JP" sz="800" dirty="0" smtClean="0">
-                <a:solidFill>
-                  <a:srgbClr val="FF00FF"/>
-                </a:solidFill>
-              </a:rPr>
-              <a:t>$</a:t>
-            </a:r>
-            <a:r>
-              <a:rPr lang="en-US" altLang="ja-JP" sz="800" dirty="0" smtClean="0"/>
-              <a:t>LargeCell.</a:t>
-            </a:r>
-            <a:r>
-              <a:rPr lang="en-US" altLang="ja-JP" sz="800" dirty="0" smtClean="0">
-                <a:solidFill>
-                  <a:srgbClr val="FF00FF"/>
-                </a:solidFill>
-              </a:rPr>
-              <a:t>$</a:t>
-            </a:r>
-            <a:r>
-              <a:rPr lang="en-US" altLang="ja-JP" sz="800" dirty="0" smtClean="0"/>
-              <a:t>qVal.</a:t>
-            </a:r>
-            <a:r>
-              <a:rPr lang="en-US" altLang="ja-JP" sz="800" dirty="0" smtClean="0">
-                <a:solidFill>
-                  <a:srgbClr val="FF00FF"/>
-                </a:solidFill>
-              </a:rPr>
-              <a:t>$</a:t>
-            </a:r>
-            <a:r>
-              <a:rPr lang="en-US" altLang="ja-JP" sz="800" b="1" dirty="0" smtClean="0"/>
-              <a:t>SmallAg</a:t>
-            </a:r>
-            <a:r>
-              <a:rPr lang="en-US" altLang="ja-JP" sz="800" dirty="0" smtClean="0"/>
-              <a:t>.</a:t>
-            </a:r>
-            <a:r>
-              <a:rPr lang="en-US" altLang="ja-JP" sz="800" dirty="0" smtClean="0">
-                <a:solidFill>
-                  <a:srgbClr val="FF00FF"/>
-                </a:solidFill>
-              </a:rPr>
-              <a:t>$</a:t>
-            </a:r>
-            <a:r>
-              <a:rPr lang="en-US" altLang="ja-JP" sz="800" dirty="0"/>
-              <a:t>Small</a:t>
-            </a:r>
-            <a:r>
-              <a:rPr lang="en-US" altLang="ja-JP" sz="800" dirty="0" smtClean="0"/>
-              <a:t>Cell.bed --- </a:t>
-            </a:r>
-            <a:r>
-              <a:rPr lang="en-US" altLang="ja-JP" sz="800" b="1" dirty="0" smtClean="0">
-                <a:solidFill>
-                  <a:srgbClr val="3366FF"/>
-                </a:solidFill>
-              </a:rPr>
-              <a:t>(18)</a:t>
-            </a:r>
-          </a:p>
-        </p:txBody>
-      </p:sp>
-      <p:cxnSp>
-        <p:nvCxnSpPr>
-          <p:cNvPr id="112" name="直線矢印コネクタ 111"/>
-          <p:cNvCxnSpPr/>
-          <p:nvPr/>
-        </p:nvCxnSpPr>
-        <p:spPr>
-          <a:xfrm>
-            <a:off x="600930" y="3035318"/>
-            <a:ext cx="0" cy="963292"/>
-          </a:xfrm>
-          <a:prstGeom prst="straightConnector1">
-            <a:avLst/>
-          </a:prstGeom>
-          <a:ln>
-            <a:solidFill>
-              <a:srgbClr val="000000"/>
-            </a:solidFill>
-            <a:tailEnd type="arrow"/>
-          </a:ln>
-          <a:effectLst/>
-        </p:spPr>
-        <p:style>
-          <a:lnRef idx="2">
-            <a:schemeClr val="accent1"/>
-          </a:lnRef>
-          <a:fillRef idx="0">
-            <a:schemeClr val="accent1"/>
-          </a:fillRef>
-          <a:effectRef idx="1">
-            <a:schemeClr val="accent1"/>
-          </a:effectRef>
-          <a:fontRef idx="minor">
-            <a:schemeClr val="tx1"/>
-          </a:fontRef>
-        </p:style>
-      </p:cxnSp>
-      <p:sp>
-        <p:nvSpPr>
-          <p:cNvPr id="114" name="テキスト ボックス 113"/>
-          <p:cNvSpPr txBox="1"/>
-          <p:nvPr/>
-        </p:nvSpPr>
-        <p:spPr>
-          <a:xfrm>
-            <a:off x="933913" y="3101032"/>
-            <a:ext cx="1785365" cy="215444"/>
-          </a:xfrm>
-          <a:prstGeom prst="rect">
-            <a:avLst/>
-          </a:prstGeom>
-          <a:solidFill>
-            <a:schemeClr val="tx1"/>
-          </a:solidFill>
-          <a:ln>
-            <a:noFill/>
-          </a:ln>
-          <a:effectLst/>
-        </p:spPr>
-        <p:txBody>
-          <a:bodyPr wrap="none" rtlCol="0">
-            <a:spAutoFit/>
-          </a:bodyPr>
-          <a:lstStyle/>
-          <a:p>
-            <a:pPr algn="ctr"/>
-            <a:r>
-              <a:rPr lang="en-US" altLang="ja-JP" sz="800" dirty="0" smtClean="0">
-                <a:solidFill>
-                  <a:srgbClr val="FFFFFF"/>
-                </a:solidFill>
-                <a:latin typeface="Monaco"/>
-                <a:cs typeface="Monaco"/>
-              </a:rPr>
-              <a:t>qsub makeBigBed.sh (15-18)</a:t>
-            </a:r>
-            <a:endParaRPr kumimoji="1" lang="ja-JP" altLang="en-US" sz="800" dirty="0">
-              <a:solidFill>
-                <a:srgbClr val="FFFFFF"/>
-              </a:solidFill>
-              <a:latin typeface="Monaco"/>
-              <a:cs typeface="Monaco"/>
-            </a:endParaRPr>
-          </a:p>
-        </p:txBody>
-      </p:sp>
-      <p:grpSp>
-        <p:nvGrpSpPr>
-          <p:cNvPr id="119" name="図形グループ 118"/>
-          <p:cNvGrpSpPr/>
-          <p:nvPr/>
-        </p:nvGrpSpPr>
-        <p:grpSpPr>
-          <a:xfrm>
-            <a:off x="605265" y="3162889"/>
-            <a:ext cx="334434" cy="84438"/>
-            <a:chOff x="1473301" y="2014838"/>
-            <a:chExt cx="334434" cy="84438"/>
-          </a:xfrm>
-        </p:grpSpPr>
-        <p:cxnSp>
-          <p:nvCxnSpPr>
-            <p:cNvPr id="120" name="直線矢印コネクタ 119"/>
-            <p:cNvCxnSpPr/>
-            <p:nvPr/>
-          </p:nvCxnSpPr>
-          <p:spPr>
-            <a:xfrm>
-              <a:off x="1473301" y="2014838"/>
-              <a:ext cx="334434" cy="0"/>
-            </a:xfrm>
-            <a:prstGeom prst="straightConnector1">
-              <a:avLst/>
-            </a:prstGeom>
-            <a:ln w="9525" cmpd="sng">
-              <a:solidFill>
-                <a:srgbClr val="000000"/>
-              </a:solidFill>
-              <a:tailEnd type="stealth" w="sm" len="med"/>
-            </a:ln>
-            <a:effectLst/>
-          </p:spPr>
-          <p:style>
-            <a:lnRef idx="2">
-              <a:schemeClr val="accent1"/>
-            </a:lnRef>
-            <a:fillRef idx="0">
-              <a:schemeClr val="accent1"/>
-            </a:fillRef>
-            <a:effectRef idx="1">
-              <a:schemeClr val="accent1"/>
-            </a:effectRef>
-            <a:fontRef idx="minor">
-              <a:schemeClr val="tx1"/>
-            </a:fontRef>
-          </p:style>
-        </p:cxnSp>
-        <p:cxnSp>
-          <p:nvCxnSpPr>
-            <p:cNvPr id="121" name="直線矢印コネクタ 120"/>
-            <p:cNvCxnSpPr/>
-            <p:nvPr/>
-          </p:nvCxnSpPr>
-          <p:spPr>
-            <a:xfrm>
-              <a:off x="1473301" y="2057057"/>
-              <a:ext cx="334434" cy="0"/>
-            </a:xfrm>
-            <a:prstGeom prst="straightConnector1">
-              <a:avLst/>
-            </a:prstGeom>
-            <a:ln w="9525" cmpd="sng">
-              <a:solidFill>
-                <a:srgbClr val="000000"/>
-              </a:solidFill>
-              <a:tailEnd type="stealth" w="sm" len="med"/>
-            </a:ln>
-            <a:effectLst/>
-          </p:spPr>
-          <p:style>
-            <a:lnRef idx="2">
-              <a:schemeClr val="accent1"/>
-            </a:lnRef>
-            <a:fillRef idx="0">
-              <a:schemeClr val="accent1"/>
-            </a:fillRef>
-            <a:effectRef idx="1">
-              <a:schemeClr val="accent1"/>
-            </a:effectRef>
-            <a:fontRef idx="minor">
-              <a:schemeClr val="tx1"/>
-            </a:fontRef>
-          </p:style>
-        </p:cxnSp>
-        <p:cxnSp>
-          <p:nvCxnSpPr>
-            <p:cNvPr id="122" name="直線矢印コネクタ 121"/>
-            <p:cNvCxnSpPr/>
-            <p:nvPr/>
-          </p:nvCxnSpPr>
-          <p:spPr>
-            <a:xfrm>
-              <a:off x="1473301" y="2099276"/>
-              <a:ext cx="334434" cy="0"/>
-            </a:xfrm>
-            <a:prstGeom prst="straightConnector1">
-              <a:avLst/>
-            </a:prstGeom>
-            <a:ln w="9525" cmpd="sng">
-              <a:solidFill>
-                <a:srgbClr val="000000"/>
-              </a:solidFill>
-              <a:tailEnd type="stealth" w="sm" len="med"/>
-            </a:ln>
-            <a:effectLst/>
-          </p:spPr>
-          <p:style>
-            <a:lnRef idx="2">
-              <a:schemeClr val="accent1"/>
-            </a:lnRef>
-            <a:fillRef idx="0">
-              <a:schemeClr val="accent1"/>
-            </a:fillRef>
-            <a:effectRef idx="1">
-              <a:schemeClr val="accent1"/>
-            </a:effectRef>
-            <a:fontRef idx="minor">
-              <a:schemeClr val="tx1"/>
-            </a:fontRef>
-          </p:style>
-        </p:cxnSp>
-      </p:grpSp>
-      <p:cxnSp>
-        <p:nvCxnSpPr>
-          <p:cNvPr id="123" name="直線矢印コネクタ 122"/>
-          <p:cNvCxnSpPr/>
-          <p:nvPr/>
-        </p:nvCxnSpPr>
-        <p:spPr>
-          <a:xfrm>
-            <a:off x="1206500" y="3444844"/>
-            <a:ext cx="334434" cy="0"/>
-          </a:xfrm>
-          <a:prstGeom prst="straightConnector1">
-            <a:avLst/>
-          </a:prstGeom>
-          <a:ln>
-            <a:solidFill>
-              <a:srgbClr val="000000"/>
-            </a:solidFill>
-            <a:tailEnd type="arrow"/>
-          </a:ln>
-          <a:effectLst/>
-        </p:spPr>
-        <p:style>
-          <a:lnRef idx="2">
-            <a:schemeClr val="accent1"/>
-          </a:lnRef>
-          <a:fillRef idx="0">
-            <a:schemeClr val="accent1"/>
-          </a:fillRef>
-          <a:effectRef idx="1">
-            <a:schemeClr val="accent1"/>
-          </a:effectRef>
-          <a:fontRef idx="minor">
-            <a:schemeClr val="tx1"/>
-          </a:fontRef>
-        </p:style>
-      </p:cxnSp>
-      <p:sp>
-        <p:nvSpPr>
-          <p:cNvPr id="124" name="テキスト ボックス 123"/>
-          <p:cNvSpPr txBox="1"/>
-          <p:nvPr/>
-        </p:nvSpPr>
-        <p:spPr>
-          <a:xfrm>
-            <a:off x="1540934" y="3336463"/>
-            <a:ext cx="4380225" cy="362065"/>
-          </a:xfrm>
-          <a:prstGeom prst="rect">
-            <a:avLst/>
-          </a:prstGeom>
-          <a:noFill/>
-          <a:ln>
-            <a:noFill/>
-          </a:ln>
-          <a:effectLst/>
-        </p:spPr>
-        <p:txBody>
-          <a:bodyPr wrap="none" rtlCol="0">
-            <a:spAutoFit/>
-          </a:bodyPr>
-          <a:lstStyle/>
-          <a:p>
-            <a:pPr>
-              <a:lnSpc>
-                <a:spcPts val="1060"/>
-              </a:lnSpc>
-            </a:pPr>
-            <a:r>
-              <a:rPr lang="en-US" altLang="ja-JP" sz="800" dirty="0" smtClean="0">
-                <a:solidFill>
-                  <a:srgbClr val="FF00FF"/>
-                </a:solidFill>
-              </a:rPr>
-              <a:t>$</a:t>
-            </a:r>
-            <a:r>
-              <a:rPr lang="en-US" altLang="ja-JP" sz="800" dirty="0" smtClean="0"/>
-              <a:t>projectDir/results/</a:t>
-            </a:r>
-            <a:r>
-              <a:rPr lang="en-US" altLang="ja-JP" sz="800" dirty="0" smtClean="0">
-                <a:solidFill>
-                  <a:srgbClr val="FF00FF"/>
-                </a:solidFill>
-              </a:rPr>
-              <a:t>$</a:t>
-            </a:r>
-            <a:r>
-              <a:rPr lang="en-US" altLang="ja-JP" sz="800" dirty="0" smtClean="0"/>
-              <a:t>Genome/public/</a:t>
-            </a:r>
-            <a:r>
-              <a:rPr lang="en-US" altLang="ja-JP" sz="800" dirty="0" smtClean="0">
-                <a:solidFill>
-                  <a:srgbClr val="FF00FF"/>
-                </a:solidFill>
-              </a:rPr>
-              <a:t>$</a:t>
-            </a:r>
-            <a:r>
-              <a:rPr lang="en-US" altLang="ja-JP" sz="800" dirty="0" smtClean="0"/>
-              <a:t>LargeAg.</a:t>
-            </a:r>
-            <a:r>
-              <a:rPr lang="en-US" altLang="ja-JP" sz="800" dirty="0" smtClean="0">
-                <a:solidFill>
-                  <a:srgbClr val="FF00FF"/>
-                </a:solidFill>
-              </a:rPr>
-              <a:t>$</a:t>
-            </a:r>
-            <a:r>
-              <a:rPr lang="en-US" altLang="ja-JP" sz="800" dirty="0" smtClean="0"/>
-              <a:t>LargeCell.</a:t>
-            </a:r>
-            <a:r>
-              <a:rPr lang="en-US" altLang="ja-JP" sz="800" dirty="0" smtClean="0">
-                <a:solidFill>
-                  <a:srgbClr val="FF00FF"/>
-                </a:solidFill>
-              </a:rPr>
-              <a:t>$</a:t>
-            </a:r>
-            <a:r>
-              <a:rPr lang="en-US" altLang="ja-JP" sz="800" dirty="0" smtClean="0"/>
-              <a:t>qVal.</a:t>
-            </a:r>
-            <a:r>
-              <a:rPr lang="en-US" altLang="ja-JP" sz="800" dirty="0" smtClean="0">
-                <a:solidFill>
-                  <a:srgbClr val="FF00FF"/>
-                </a:solidFill>
-              </a:rPr>
-              <a:t>$</a:t>
-            </a:r>
-            <a:r>
-              <a:rPr lang="en-US" altLang="ja-JP" sz="800" dirty="0" smtClean="0"/>
-              <a:t>SmallAg.</a:t>
-            </a:r>
-            <a:r>
-              <a:rPr lang="en-US" altLang="ja-JP" sz="800" dirty="0" smtClean="0">
-                <a:solidFill>
-                  <a:srgbClr val="FF00FF"/>
-                </a:solidFill>
-              </a:rPr>
-              <a:t>$</a:t>
-            </a:r>
-            <a:r>
-              <a:rPr lang="en-US" altLang="ja-JP" sz="800" dirty="0" smtClean="0"/>
-              <a:t>SmallCell.</a:t>
-            </a:r>
-            <a:r>
-              <a:rPr lang="en-US" altLang="ja-JP" sz="800" b="1" dirty="0" smtClean="0"/>
-              <a:t>b</a:t>
-            </a:r>
-            <a:r>
-              <a:rPr lang="en-US" altLang="ja-JP" sz="800" b="1" dirty="0" smtClean="0"/>
-              <a:t>ed</a:t>
-            </a:r>
-            <a:r>
-              <a:rPr lang="en-US" altLang="ja-JP" sz="800" dirty="0" smtClean="0"/>
-              <a:t> </a:t>
-            </a:r>
-            <a:r>
-              <a:rPr lang="en-US" altLang="ja-JP" sz="800" dirty="0" smtClean="0"/>
-              <a:t>--- </a:t>
-            </a:r>
-            <a:r>
-              <a:rPr lang="en-US" altLang="ja-JP" sz="800" b="1" dirty="0" smtClean="0">
-                <a:solidFill>
-                  <a:srgbClr val="3366FF"/>
-                </a:solidFill>
-              </a:rPr>
-              <a:t>(19)</a:t>
-            </a:r>
-          </a:p>
-          <a:p>
-            <a:pPr>
-              <a:lnSpc>
-                <a:spcPts val="1060"/>
-              </a:lnSpc>
-            </a:pPr>
-            <a:r>
-              <a:rPr lang="en-US" altLang="ja-JP" sz="800" dirty="0" smtClean="0">
-                <a:solidFill>
-                  <a:srgbClr val="FF00FF"/>
-                </a:solidFill>
-              </a:rPr>
-              <a:t>$</a:t>
-            </a:r>
-            <a:r>
-              <a:rPr lang="en-US" altLang="ja-JP" sz="800" dirty="0" smtClean="0"/>
-              <a:t>projectDir/results/</a:t>
-            </a:r>
-            <a:r>
-              <a:rPr lang="en-US" altLang="ja-JP" sz="800" dirty="0" smtClean="0">
-                <a:solidFill>
-                  <a:srgbClr val="FF00FF"/>
-                </a:solidFill>
-              </a:rPr>
-              <a:t>$</a:t>
-            </a:r>
-            <a:r>
-              <a:rPr lang="en-US" altLang="ja-JP" sz="800" dirty="0" smtClean="0"/>
-              <a:t>Genome/public/</a:t>
-            </a:r>
-            <a:r>
-              <a:rPr lang="en-US" altLang="ja-JP" sz="800" dirty="0" smtClean="0">
-                <a:solidFill>
-                  <a:srgbClr val="FF00FF"/>
-                </a:solidFill>
-              </a:rPr>
-              <a:t>$</a:t>
-            </a:r>
-            <a:r>
-              <a:rPr lang="en-US" altLang="ja-JP" sz="800" dirty="0" smtClean="0"/>
-              <a:t>LargeAg.</a:t>
-            </a:r>
-            <a:r>
-              <a:rPr lang="en-US" altLang="ja-JP" sz="800" dirty="0" smtClean="0">
-                <a:solidFill>
-                  <a:srgbClr val="FF00FF"/>
-                </a:solidFill>
-              </a:rPr>
-              <a:t>$</a:t>
-            </a:r>
-            <a:r>
-              <a:rPr lang="en-US" altLang="ja-JP" sz="800" dirty="0" smtClean="0"/>
-              <a:t>LargeCell.</a:t>
-            </a:r>
-            <a:r>
-              <a:rPr lang="en-US" altLang="ja-JP" sz="800" dirty="0" smtClean="0">
-                <a:solidFill>
-                  <a:srgbClr val="FF00FF"/>
-                </a:solidFill>
-              </a:rPr>
-              <a:t>$</a:t>
-            </a:r>
-            <a:r>
-              <a:rPr lang="en-US" altLang="ja-JP" sz="800" dirty="0" smtClean="0"/>
-              <a:t>qVal.</a:t>
-            </a:r>
-            <a:r>
-              <a:rPr lang="en-US" altLang="ja-JP" sz="800" dirty="0" smtClean="0">
-                <a:solidFill>
-                  <a:srgbClr val="FF00FF"/>
-                </a:solidFill>
-              </a:rPr>
-              <a:t>$</a:t>
-            </a:r>
-            <a:r>
-              <a:rPr lang="en-US" altLang="ja-JP" sz="800" dirty="0" smtClean="0"/>
-              <a:t>SmallAg.</a:t>
-            </a:r>
-            <a:r>
-              <a:rPr lang="en-US" altLang="ja-JP" sz="800" dirty="0" smtClean="0">
-                <a:solidFill>
-                  <a:srgbClr val="FF00FF"/>
-                </a:solidFill>
-              </a:rPr>
-              <a:t>$</a:t>
-            </a:r>
-            <a:r>
-              <a:rPr lang="en-US" altLang="ja-JP" sz="800" dirty="0" err="1" smtClean="0"/>
-              <a:t>SmallCell.</a:t>
-            </a:r>
-            <a:r>
-              <a:rPr lang="en-US" altLang="ja-JP" sz="800" b="1" dirty="0" err="1" smtClean="0"/>
-              <a:t>bed.idx</a:t>
-            </a:r>
-            <a:r>
-              <a:rPr lang="en-US" altLang="ja-JP" sz="800" dirty="0" smtClean="0"/>
-              <a:t> --- </a:t>
-            </a:r>
-            <a:r>
-              <a:rPr lang="en-US" altLang="ja-JP" sz="800" b="1" dirty="0" smtClean="0">
-                <a:solidFill>
-                  <a:srgbClr val="3366FF"/>
-                </a:solidFill>
-              </a:rPr>
-              <a:t>(20)</a:t>
-            </a:r>
-          </a:p>
-        </p:txBody>
-      </p:sp>
-      <p:cxnSp>
-        <p:nvCxnSpPr>
-          <p:cNvPr id="125" name="直線矢印コネクタ 124"/>
-          <p:cNvCxnSpPr/>
-          <p:nvPr/>
-        </p:nvCxnSpPr>
-        <p:spPr>
-          <a:xfrm>
-            <a:off x="1206500" y="3325264"/>
-            <a:ext cx="0" cy="119580"/>
-          </a:xfrm>
-          <a:prstGeom prst="straightConnector1">
-            <a:avLst/>
-          </a:prstGeom>
-          <a:ln>
-            <a:solidFill>
-              <a:srgbClr val="000000"/>
-            </a:solidFill>
-            <a:headEnd type="none"/>
-            <a:tailEnd type="none"/>
-          </a:ln>
-          <a:effectLst/>
-        </p:spPr>
-        <p:style>
-          <a:lnRef idx="2">
-            <a:schemeClr val="accent1"/>
-          </a:lnRef>
-          <a:fillRef idx="0">
-            <a:schemeClr val="accent1"/>
-          </a:fillRef>
-          <a:effectRef idx="1">
-            <a:schemeClr val="accent1"/>
-          </a:effectRef>
-          <a:fontRef idx="minor">
-            <a:schemeClr val="tx1"/>
-          </a:fontRef>
-        </p:style>
-      </p:cxnSp>
-      <p:sp>
-        <p:nvSpPr>
-          <p:cNvPr id="131" name="テキスト ボックス 130"/>
-          <p:cNvSpPr txBox="1"/>
-          <p:nvPr/>
-        </p:nvSpPr>
-        <p:spPr>
-          <a:xfrm>
-            <a:off x="34384" y="3998610"/>
-            <a:ext cx="1108146" cy="215444"/>
-          </a:xfrm>
-          <a:prstGeom prst="rect">
-            <a:avLst/>
-          </a:prstGeom>
-          <a:solidFill>
-            <a:schemeClr val="tx1"/>
-          </a:solidFill>
-          <a:ln>
-            <a:noFill/>
-          </a:ln>
-          <a:effectLst/>
-        </p:spPr>
-        <p:txBody>
-          <a:bodyPr wrap="none" rtlCol="0">
-            <a:spAutoFit/>
-          </a:bodyPr>
-          <a:lstStyle/>
-          <a:p>
-            <a:pPr algn="ctr"/>
-            <a:r>
-              <a:rPr lang="en-US" altLang="ja-JP" sz="800" dirty="0" smtClean="0">
-                <a:solidFill>
-                  <a:srgbClr val="FFFFFF"/>
-                </a:solidFill>
-                <a:latin typeface="Monaco"/>
-                <a:cs typeface="Monaco"/>
-              </a:rPr>
-              <a:t>qsub</a:t>
-            </a:r>
-            <a:r>
-              <a:rPr lang="en-US" altLang="ja-JP" sz="800" dirty="0" smtClean="0">
-                <a:solidFill>
-                  <a:srgbClr val="FFFFFF"/>
-                </a:solidFill>
-                <a:latin typeface="Monaco"/>
-                <a:cs typeface="Monaco"/>
-              </a:rPr>
-              <a:t> </a:t>
-            </a:r>
-            <a:r>
-              <a:rPr lang="en-US" altLang="ja-JP" sz="800" dirty="0" err="1" smtClean="0">
-                <a:solidFill>
-                  <a:srgbClr val="FFFFFF"/>
-                </a:solidFill>
-                <a:latin typeface="Monaco"/>
-                <a:cs typeface="Monaco"/>
-              </a:rPr>
-              <a:t>webList.sh</a:t>
-            </a:r>
-            <a:endParaRPr kumimoji="1" lang="ja-JP" altLang="en-US" sz="800" dirty="0">
-              <a:solidFill>
-                <a:srgbClr val="FFFFFF"/>
-              </a:solidFill>
-              <a:latin typeface="Monaco"/>
-              <a:cs typeface="Monaco"/>
-            </a:endParaRPr>
-          </a:p>
-        </p:txBody>
-      </p:sp>
-      <p:cxnSp>
-        <p:nvCxnSpPr>
-          <p:cNvPr id="133" name="直線矢印コネクタ 132"/>
-          <p:cNvCxnSpPr/>
-          <p:nvPr/>
-        </p:nvCxnSpPr>
-        <p:spPr>
-          <a:xfrm>
-            <a:off x="605265" y="4327494"/>
-            <a:ext cx="334434" cy="0"/>
-          </a:xfrm>
-          <a:prstGeom prst="straightConnector1">
-            <a:avLst/>
-          </a:prstGeom>
-          <a:ln>
-            <a:solidFill>
-              <a:srgbClr val="000000"/>
-            </a:solidFill>
-            <a:tailEnd type="arrow"/>
-          </a:ln>
-          <a:effectLst/>
-        </p:spPr>
-        <p:style>
-          <a:lnRef idx="2">
-            <a:schemeClr val="accent1"/>
-          </a:lnRef>
-          <a:fillRef idx="0">
-            <a:schemeClr val="accent1"/>
-          </a:fillRef>
-          <a:effectRef idx="1">
-            <a:schemeClr val="accent1"/>
-          </a:effectRef>
-          <a:fontRef idx="minor">
-            <a:schemeClr val="tx1"/>
-          </a:fontRef>
-        </p:style>
-      </p:cxnSp>
-      <p:cxnSp>
-        <p:nvCxnSpPr>
-          <p:cNvPr id="134" name="直線矢印コネクタ 133"/>
-          <p:cNvCxnSpPr/>
-          <p:nvPr/>
-        </p:nvCxnSpPr>
-        <p:spPr>
-          <a:xfrm>
-            <a:off x="605265" y="4207914"/>
-            <a:ext cx="0" cy="119580"/>
-          </a:xfrm>
-          <a:prstGeom prst="straightConnector1">
-            <a:avLst/>
-          </a:prstGeom>
-          <a:ln>
-            <a:solidFill>
-              <a:srgbClr val="000000"/>
-            </a:solidFill>
-            <a:headEnd type="none"/>
-            <a:tailEnd type="none"/>
-          </a:ln>
-          <a:effectLst/>
-        </p:spPr>
-        <p:style>
-          <a:lnRef idx="2">
-            <a:schemeClr val="accent1"/>
-          </a:lnRef>
-          <a:fillRef idx="0">
-            <a:schemeClr val="accent1"/>
-          </a:fillRef>
-          <a:effectRef idx="1">
-            <a:schemeClr val="accent1"/>
-          </a:effectRef>
-          <a:fontRef idx="minor">
-            <a:schemeClr val="tx1"/>
-          </a:fontRef>
-        </p:style>
-      </p:cxnSp>
-      <p:sp>
-        <p:nvSpPr>
-          <p:cNvPr id="139" name="テキスト ボックス 138"/>
-          <p:cNvSpPr txBox="1"/>
-          <p:nvPr/>
-        </p:nvSpPr>
-        <p:spPr>
-          <a:xfrm>
-            <a:off x="1001294" y="4207914"/>
-            <a:ext cx="2587517" cy="362065"/>
-          </a:xfrm>
-          <a:prstGeom prst="rect">
-            <a:avLst/>
-          </a:prstGeom>
-          <a:noFill/>
-          <a:ln>
-            <a:noFill/>
-          </a:ln>
-          <a:effectLst/>
-        </p:spPr>
-        <p:txBody>
-          <a:bodyPr wrap="none" rtlCol="0">
-            <a:spAutoFit/>
-          </a:bodyPr>
-          <a:lstStyle/>
-          <a:p>
-            <a:pPr>
-              <a:lnSpc>
-                <a:spcPts val="1060"/>
-              </a:lnSpc>
-            </a:pPr>
-            <a:r>
-              <a:rPr lang="en-US" altLang="ja-JP" sz="800" dirty="0" smtClean="0"/>
-              <a:t>$</a:t>
-            </a:r>
-            <a:r>
-              <a:rPr lang="en-US" altLang="ja-JP" sz="800" dirty="0"/>
-              <a:t>projectDir/lib/</a:t>
-            </a:r>
-            <a:r>
-              <a:rPr lang="en-US" altLang="ja-JP" sz="800" dirty="0" err="1"/>
-              <a:t>assembled_list</a:t>
-            </a:r>
-            <a:r>
-              <a:rPr lang="en-US" altLang="ja-JP" sz="800" dirty="0"/>
-              <a:t>/</a:t>
-            </a:r>
-            <a:r>
-              <a:rPr lang="en-US" altLang="ja-JP" sz="800" dirty="0" err="1" smtClean="0"/>
-              <a:t>experimentList.tab</a:t>
-            </a:r>
-            <a:r>
-              <a:rPr lang="en-US" altLang="ja-JP" sz="800" dirty="0"/>
-              <a:t> --- </a:t>
-            </a:r>
-            <a:r>
-              <a:rPr lang="en-US" altLang="ja-JP" sz="800" b="1" dirty="0" smtClean="0">
-                <a:solidFill>
-                  <a:srgbClr val="3366FF"/>
-                </a:solidFill>
-              </a:rPr>
-              <a:t>(</a:t>
-            </a:r>
-            <a:r>
-              <a:rPr lang="en-US" altLang="ja-JP" sz="800" b="1" dirty="0" smtClean="0">
-                <a:solidFill>
-                  <a:srgbClr val="3366FF"/>
-                </a:solidFill>
-              </a:rPr>
-              <a:t>20</a:t>
-            </a:r>
-            <a:r>
-              <a:rPr lang="en-US" altLang="ja-JP" sz="800" b="1" dirty="0" smtClean="0">
-                <a:solidFill>
-                  <a:srgbClr val="3366FF"/>
-                </a:solidFill>
-              </a:rPr>
-              <a:t>)</a:t>
-            </a:r>
-            <a:endParaRPr lang="en-US" altLang="ja-JP" sz="800" dirty="0" smtClean="0"/>
-          </a:p>
-          <a:p>
-            <a:pPr>
-              <a:lnSpc>
-                <a:spcPts val="1060"/>
-              </a:lnSpc>
-            </a:pPr>
-            <a:r>
-              <a:rPr lang="en-US" altLang="ja-JP" sz="800" dirty="0"/>
-              <a:t>$projectDir/lib/</a:t>
-            </a:r>
-            <a:r>
-              <a:rPr lang="en-US" altLang="ja-JP" sz="800" dirty="0" err="1"/>
-              <a:t>assembled_list</a:t>
-            </a:r>
-            <a:r>
-              <a:rPr lang="en-US" altLang="ja-JP" sz="800" dirty="0"/>
-              <a:t>/</a:t>
-            </a:r>
-            <a:r>
-              <a:rPr lang="en-US" altLang="ja-JP" sz="800" dirty="0" err="1" smtClean="0"/>
-              <a:t>fileList.tab</a:t>
-            </a:r>
-            <a:r>
-              <a:rPr lang="en-US" altLang="ja-JP" sz="800" dirty="0"/>
-              <a:t> --- </a:t>
-            </a:r>
-            <a:r>
-              <a:rPr lang="en-US" altLang="ja-JP" sz="800" b="1" dirty="0" smtClean="0">
-                <a:solidFill>
-                  <a:srgbClr val="3366FF"/>
-                </a:solidFill>
-              </a:rPr>
-              <a:t>(</a:t>
-            </a:r>
-            <a:r>
-              <a:rPr lang="en-US" altLang="ja-JP" sz="800" b="1" dirty="0" smtClean="0">
-                <a:solidFill>
-                  <a:srgbClr val="3366FF"/>
-                </a:solidFill>
-              </a:rPr>
-              <a:t>21</a:t>
-            </a:r>
-            <a:r>
-              <a:rPr lang="en-US" altLang="ja-JP" sz="800" b="1" dirty="0" smtClean="0">
-                <a:solidFill>
-                  <a:srgbClr val="3366FF"/>
-                </a:solidFill>
-              </a:rPr>
-              <a:t>)</a:t>
-            </a:r>
-            <a:endParaRPr lang="en-US" altLang="ja-JP" sz="800" dirty="0" smtClean="0"/>
-          </a:p>
-        </p:txBody>
-      </p:sp>
-      <p:cxnSp>
-        <p:nvCxnSpPr>
-          <p:cNvPr id="82" name="直線矢印コネクタ 81"/>
-          <p:cNvCxnSpPr/>
-          <p:nvPr/>
-        </p:nvCxnSpPr>
-        <p:spPr>
-          <a:xfrm>
-            <a:off x="605265" y="550559"/>
-            <a:ext cx="334434" cy="0"/>
-          </a:xfrm>
-          <a:prstGeom prst="straightConnector1">
-            <a:avLst/>
-          </a:prstGeom>
-          <a:ln>
-            <a:solidFill>
-              <a:srgbClr val="000000"/>
-            </a:solidFill>
-            <a:tailEnd type="arrow"/>
-          </a:ln>
-          <a:effectLst/>
-        </p:spPr>
-        <p:style>
-          <a:lnRef idx="2">
-            <a:schemeClr val="accent1"/>
-          </a:lnRef>
-          <a:fillRef idx="0">
-            <a:schemeClr val="accent1"/>
-          </a:fillRef>
-          <a:effectRef idx="1">
-            <a:schemeClr val="accent1"/>
-          </a:effectRef>
-          <a:fontRef idx="minor">
-            <a:schemeClr val="tx1"/>
-          </a:fontRef>
-        </p:style>
-      </p:cxnSp>
-      <p:sp>
-        <p:nvSpPr>
-          <p:cNvPr id="83" name="テキスト ボックス 82"/>
-          <p:cNvSpPr txBox="1"/>
-          <p:nvPr/>
-        </p:nvSpPr>
-        <p:spPr>
-          <a:xfrm>
-            <a:off x="939699" y="436487"/>
-            <a:ext cx="1701708" cy="215444"/>
-          </a:xfrm>
-          <a:prstGeom prst="rect">
-            <a:avLst/>
-          </a:prstGeom>
-          <a:noFill/>
-          <a:ln>
-            <a:noFill/>
-          </a:ln>
-          <a:effectLst/>
-        </p:spPr>
-        <p:txBody>
-          <a:bodyPr wrap="none" rtlCol="0">
-            <a:spAutoFit/>
-          </a:bodyPr>
-          <a:lstStyle/>
-          <a:p>
-            <a:r>
-              <a:rPr lang="en-US" altLang="ja-JP" sz="800" dirty="0" smtClean="0"/>
-              <a:t>ct or ag_Index.</a:t>
-            </a:r>
-            <a:r>
-              <a:rPr lang="en-US" altLang="ja-JP" sz="800" dirty="0" smtClean="0">
-                <a:solidFill>
-                  <a:srgbClr val="FF00FF"/>
-                </a:solidFill>
-              </a:rPr>
-              <a:t>$</a:t>
-            </a:r>
-            <a:r>
-              <a:rPr lang="en-US" altLang="ja-JP" sz="800" dirty="0" smtClean="0"/>
-              <a:t>Genome</a:t>
-            </a:r>
-            <a:r>
-              <a:rPr lang="ja-JP" altLang="ja-JP" sz="800" dirty="0" smtClean="0"/>
-              <a:t>.</a:t>
-            </a:r>
-            <a:r>
-              <a:rPr lang="en-US" altLang="ja-JP" sz="800" dirty="0" smtClean="0"/>
-              <a:t>tab --- </a:t>
-            </a:r>
-            <a:r>
-              <a:rPr lang="en-US" altLang="ja-JP" sz="800" b="1" dirty="0" smtClean="0">
-                <a:solidFill>
-                  <a:srgbClr val="3366FF"/>
-                </a:solidFill>
-              </a:rPr>
-              <a:t>(14’)</a:t>
-            </a:r>
-          </a:p>
-        </p:txBody>
-      </p:sp>
-      <p:sp>
-        <p:nvSpPr>
-          <p:cNvPr id="93" name="テキスト ボックス 92"/>
-          <p:cNvSpPr txBox="1"/>
-          <p:nvPr/>
-        </p:nvSpPr>
-        <p:spPr>
-          <a:xfrm>
-            <a:off x="34384" y="4824110"/>
-            <a:ext cx="1300356" cy="215444"/>
-          </a:xfrm>
-          <a:prstGeom prst="rect">
-            <a:avLst/>
-          </a:prstGeom>
-          <a:solidFill>
-            <a:schemeClr val="tx1"/>
-          </a:solidFill>
-          <a:ln>
-            <a:noFill/>
-          </a:ln>
-          <a:effectLst/>
-        </p:spPr>
-        <p:txBody>
-          <a:bodyPr wrap="none" rtlCol="0">
-            <a:spAutoFit/>
-          </a:bodyPr>
-          <a:lstStyle/>
-          <a:p>
-            <a:pPr algn="ctr"/>
-            <a:r>
-              <a:rPr lang="en-US" altLang="ja-JP" sz="800" dirty="0">
-                <a:solidFill>
-                  <a:srgbClr val="FFFFFF"/>
-                </a:solidFill>
-                <a:latin typeface="Monaco"/>
-                <a:cs typeface="Monaco"/>
-              </a:rPr>
-              <a:t>sh </a:t>
-            </a:r>
-            <a:r>
-              <a:rPr lang="en-US" altLang="ja-JP" sz="800" dirty="0" err="1" smtClean="0">
-                <a:solidFill>
-                  <a:srgbClr val="FFFFFF"/>
-                </a:solidFill>
-                <a:latin typeface="Monaco"/>
-                <a:cs typeface="Monaco"/>
-              </a:rPr>
-              <a:t>dataAnalysis.sh</a:t>
-            </a:r>
-            <a:endParaRPr kumimoji="1" lang="ja-JP" altLang="en-US" sz="800" dirty="0">
-              <a:solidFill>
-                <a:srgbClr val="FFFFFF"/>
-              </a:solidFill>
-              <a:latin typeface="Monaco"/>
               <a:cs typeface="Monaco"/>
             </a:endParaRPr>
           </a:p>
